--- a/case-studies/jmMagallanes.pptx
+++ b/case-studies/jmMagallanes.pptx
@@ -104,6 +104,22 @@
       </a:defRPr>
     </a:lvl9pPr>
   </p:defaultTextStyle>
+  <p:extLst>
+    <p:ext uri="{EFAFB233-063F-42B5-8137-9DF3F51BA10A}">
+      <p15:sldGuideLst xmlns:p15="http://schemas.microsoft.com/office/powerpoint/2012/main">
+        <p15:guide id="1" orient="horz" pos="2160">
+          <p15:clr>
+            <a:srgbClr val="A4A3A4"/>
+          </p15:clr>
+        </p15:guide>
+        <p15:guide id="2" pos="3840">
+          <p15:clr>
+            <a:srgbClr val="A4A3A4"/>
+          </p15:clr>
+        </p15:guide>
+      </p15:sldGuideLst>
+    </p:ext>
+  </p:extLst>
 </p:presentation>
 </file>
 
@@ -238,7 +254,7 @@
           <a:p>
             <a:fld id="{44608ED9-4F79-D548-8E8D-C5D319F6A783}" type="datetimeFigureOut">
               <a:rPr lang="en-US" smtClean="0"/>
-              <a:t>4/9/16</a:t>
+              <a:t>5/17/16</a:t>
             </a:fld>
             <a:endParaRPr lang="en-US"/>
           </a:p>
@@ -408,7 +424,7 @@
           <a:p>
             <a:fld id="{44608ED9-4F79-D548-8E8D-C5D319F6A783}" type="datetimeFigureOut">
               <a:rPr lang="en-US" smtClean="0"/>
-              <a:t>4/9/16</a:t>
+              <a:t>5/17/16</a:t>
             </a:fld>
             <a:endParaRPr lang="en-US"/>
           </a:p>
@@ -588,7 +604,7 @@
           <a:p>
             <a:fld id="{44608ED9-4F79-D548-8E8D-C5D319F6A783}" type="datetimeFigureOut">
               <a:rPr lang="en-US" smtClean="0"/>
-              <a:t>4/9/16</a:t>
+              <a:t>5/17/16</a:t>
             </a:fld>
             <a:endParaRPr lang="en-US"/>
           </a:p>
@@ -758,7 +774,7 @@
           <a:p>
             <a:fld id="{44608ED9-4F79-D548-8E8D-C5D319F6A783}" type="datetimeFigureOut">
               <a:rPr lang="en-US" smtClean="0"/>
-              <a:t>4/9/16</a:t>
+              <a:t>5/17/16</a:t>
             </a:fld>
             <a:endParaRPr lang="en-US"/>
           </a:p>
@@ -1004,7 +1020,7 @@
           <a:p>
             <a:fld id="{44608ED9-4F79-D548-8E8D-C5D319F6A783}" type="datetimeFigureOut">
               <a:rPr lang="en-US" smtClean="0"/>
-              <a:t>4/9/16</a:t>
+              <a:t>5/17/16</a:t>
             </a:fld>
             <a:endParaRPr lang="en-US"/>
           </a:p>
@@ -1236,7 +1252,7 @@
           <a:p>
             <a:fld id="{44608ED9-4F79-D548-8E8D-C5D319F6A783}" type="datetimeFigureOut">
               <a:rPr lang="en-US" smtClean="0"/>
-              <a:t>4/9/16</a:t>
+              <a:t>5/17/16</a:t>
             </a:fld>
             <a:endParaRPr lang="en-US"/>
           </a:p>
@@ -1603,7 +1619,7 @@
           <a:p>
             <a:fld id="{44608ED9-4F79-D548-8E8D-C5D319F6A783}" type="datetimeFigureOut">
               <a:rPr lang="en-US" smtClean="0"/>
-              <a:t>4/9/16</a:t>
+              <a:t>5/17/16</a:t>
             </a:fld>
             <a:endParaRPr lang="en-US"/>
           </a:p>
@@ -1721,7 +1737,7 @@
           <a:p>
             <a:fld id="{44608ED9-4F79-D548-8E8D-C5D319F6A783}" type="datetimeFigureOut">
               <a:rPr lang="en-US" smtClean="0"/>
-              <a:t>4/9/16</a:t>
+              <a:t>5/17/16</a:t>
             </a:fld>
             <a:endParaRPr lang="en-US"/>
           </a:p>
@@ -1816,7 +1832,7 @@
           <a:p>
             <a:fld id="{44608ED9-4F79-D548-8E8D-C5D319F6A783}" type="datetimeFigureOut">
               <a:rPr lang="en-US" smtClean="0"/>
-              <a:t>4/9/16</a:t>
+              <a:t>5/17/16</a:t>
             </a:fld>
             <a:endParaRPr lang="en-US"/>
           </a:p>
@@ -2093,7 +2109,7 @@
           <a:p>
             <a:fld id="{44608ED9-4F79-D548-8E8D-C5D319F6A783}" type="datetimeFigureOut">
               <a:rPr lang="en-US" smtClean="0"/>
-              <a:t>4/9/16</a:t>
+              <a:t>5/17/16</a:t>
             </a:fld>
             <a:endParaRPr lang="en-US"/>
           </a:p>
@@ -2346,7 +2362,7 @@
           <a:p>
             <a:fld id="{44608ED9-4F79-D548-8E8D-C5D319F6A783}" type="datetimeFigureOut">
               <a:rPr lang="en-US" smtClean="0"/>
-              <a:t>4/9/16</a:t>
+              <a:t>5/17/16</a:t>
             </a:fld>
             <a:endParaRPr lang="en-US"/>
           </a:p>
@@ -2559,7 +2575,7 @@
           <a:p>
             <a:fld id="{44608ED9-4F79-D548-8E8D-C5D319F6A783}" type="datetimeFigureOut">
               <a:rPr lang="en-US" smtClean="0"/>
-              <a:t>4/9/16</a:t>
+              <a:t>5/17/16</a:t>
             </a:fld>
             <a:endParaRPr lang="en-US"/>
           </a:p>
@@ -2978,13 +2994,11 @@
           <a:prstGeom prst="roundRect">
             <a:avLst/>
           </a:prstGeom>
-          <a:solidFill>
-            <a:schemeClr val="bg1">
-              <a:lumMod val="95000"/>
-            </a:schemeClr>
-          </a:solidFill>
-          <a:ln w="28575">
-            <a:noFill/>
+          <a:noFill/>
+          <a:ln w="22225">
+            <a:solidFill>
+              <a:schemeClr val="tx1"/>
+            </a:solidFill>
           </a:ln>
         </p:spPr>
         <p:style>
@@ -3026,13 +3040,11 @@
           <a:prstGeom prst="roundRect">
             <a:avLst/>
           </a:prstGeom>
-          <a:solidFill>
-            <a:schemeClr val="bg1">
-              <a:lumMod val="95000"/>
-            </a:schemeClr>
-          </a:solidFill>
-          <a:ln w="28575">
-            <a:noFill/>
+          <a:noFill/>
+          <a:ln w="22225">
+            <a:solidFill>
+              <a:schemeClr val="tx1"/>
+            </a:solidFill>
           </a:ln>
         </p:spPr>
         <p:style>
@@ -3084,28 +3096,14 @@
           <a:p>
             <a:pPr algn="ctr"/>
             <a:r>
-              <a:rPr lang="en-US" dirty="0" smtClean="0">
-                <a:ln>
-                  <a:solidFill>
-                    <a:schemeClr val="bg1">
-                      <a:lumMod val="50000"/>
-                    </a:schemeClr>
-                  </a:solidFill>
-                </a:ln>
+              <a:rPr lang="en-US" b="1" dirty="0" smtClean="0">
                 <a:latin typeface="Helvetica" charset="0"/>
                 <a:ea typeface="Helvetica" charset="0"/>
                 <a:cs typeface="Helvetica" charset="0"/>
               </a:rPr>
               <a:t>MANUAL STAGES</a:t>
             </a:r>
-            <a:endParaRPr lang="en-US" dirty="0">
-              <a:ln>
-                <a:solidFill>
-                  <a:schemeClr val="bg1">
-                    <a:lumMod val="50000"/>
-                  </a:schemeClr>
-                </a:solidFill>
-              </a:ln>
+            <a:endParaRPr lang="en-US" b="1" dirty="0">
               <a:latin typeface="Helvetica" charset="0"/>
               <a:ea typeface="Helvetica" charset="0"/>
               <a:cs typeface="Helvetica" charset="0"/>
@@ -3121,7 +3119,7 @@
         </p:nvSpPr>
         <p:spPr>
           <a:xfrm rot="16200000">
-            <a:off x="-490425" y="3866915"/>
+            <a:off x="-490425" y="4141235"/>
             <a:ext cx="1774153" cy="646331"/>
           </a:xfrm>
           <a:prstGeom prst="rect">
@@ -3152,7 +3150,10 @@
           <a:p>
             <a:pPr algn="ctr"/>
             <a:r>
-              <a:rPr lang="en-US" dirty="0">
+              <a:rPr lang="en-US" b="1" dirty="0">
+                <a:ln>
+                  <a:noFill/>
+                </a:ln>
                 <a:latin typeface="Helvetica" charset="0"/>
                 <a:ea typeface="Helvetica" charset="0"/>
                 <a:cs typeface="Helvetica" charset="0"/>
@@ -3176,11 +3177,7 @@
           <a:prstGeom prst="roundRect">
             <a:avLst/>
           </a:prstGeom>
-          <a:solidFill>
-            <a:schemeClr val="bg1">
-              <a:lumMod val="85000"/>
-            </a:schemeClr>
-          </a:solidFill>
+          <a:noFill/>
           <a:ln w="12700">
             <a:solidFill>
               <a:schemeClr val="tx1"/>
@@ -3224,11 +3221,7 @@
           <a:prstGeom prst="roundRect">
             <a:avLst/>
           </a:prstGeom>
-          <a:solidFill>
-            <a:schemeClr val="bg1">
-              <a:lumMod val="85000"/>
-            </a:schemeClr>
-          </a:solidFill>
+          <a:noFill/>
           <a:ln w="12700">
             <a:solidFill>
               <a:schemeClr val="tx1"/>
@@ -3272,11 +3265,7 @@
           <a:prstGeom prst="roundRect">
             <a:avLst/>
           </a:prstGeom>
-          <a:solidFill>
-            <a:schemeClr val="bg1">
-              <a:lumMod val="85000"/>
-            </a:schemeClr>
-          </a:solidFill>
+          <a:noFill/>
           <a:ln w="12700">
             <a:solidFill>
               <a:schemeClr val="tx1"/>
@@ -3320,11 +3309,7 @@
           <a:prstGeom prst="roundRect">
             <a:avLst/>
           </a:prstGeom>
-          <a:solidFill>
-            <a:schemeClr val="bg1">
-              <a:lumMod val="85000"/>
-            </a:schemeClr>
-          </a:solidFill>
+          <a:noFill/>
           <a:ln w="12700">
             <a:solidFill>
               <a:schemeClr val="tx1"/>
@@ -3488,6 +3473,50 @@
           <a:prstGeom prst="roundRect">
             <a:avLst/>
           </a:prstGeom>
+          <a:noFill/>
+          <a:ln w="12700">
+            <a:solidFill>
+              <a:schemeClr val="tx1"/>
+            </a:solidFill>
+          </a:ln>
+        </p:spPr>
+        <p:txBody>
+          <a:bodyPr wrap="square" rtlCol="0" anchor="ctr">
+            <a:spAutoFit/>
+          </a:bodyPr>
+          <a:lstStyle/>
+          <a:p>
+            <a:pPr algn="ctr"/>
+            <a:r>
+              <a:rPr lang="en-US" sz="1100" b="1" dirty="0" smtClean="0">
+                <a:latin typeface="Helvetica" charset="0"/>
+                <a:ea typeface="Helvetica" charset="0"/>
+                <a:cs typeface="Helvetica" charset="0"/>
+              </a:rPr>
+              <a:t>Collect Data</a:t>
+            </a:r>
+            <a:endParaRPr lang="en-US" sz="1100" b="1" dirty="0">
+              <a:latin typeface="Helvetica" charset="0"/>
+              <a:ea typeface="Helvetica" charset="0"/>
+              <a:cs typeface="Helvetica" charset="0"/>
+            </a:endParaRPr>
+          </a:p>
+        </p:txBody>
+      </p:sp>
+      <p:sp>
+        <p:nvSpPr>
+          <p:cNvPr id="25" name="TextBox 24"/>
+          <p:cNvSpPr txBox="1"/>
+          <p:nvPr/>
+        </p:nvSpPr>
+        <p:spPr>
+          <a:xfrm>
+            <a:off x="8348463" y="9237919"/>
+            <a:ext cx="1719461" cy="289441"/>
+          </a:xfrm>
+          <a:prstGeom prst="roundRect">
+            <a:avLst/>
+          </a:prstGeom>
           <a:solidFill>
             <a:schemeClr val="bg1">
               <a:lumMod val="85000"/>
@@ -3507,54 +3536,6 @@
           <a:p>
             <a:pPr algn="ctr"/>
             <a:r>
-              <a:rPr lang="en-US" sz="1100" b="1" dirty="0" smtClean="0">
-                <a:latin typeface="Helvetica" charset="0"/>
-                <a:ea typeface="Helvetica" charset="0"/>
-                <a:cs typeface="Helvetica" charset="0"/>
-              </a:rPr>
-              <a:t>Collect Data</a:t>
-            </a:r>
-            <a:endParaRPr lang="en-US" sz="1100" b="1" dirty="0">
-              <a:latin typeface="Helvetica" charset="0"/>
-              <a:ea typeface="Helvetica" charset="0"/>
-              <a:cs typeface="Helvetica" charset="0"/>
-            </a:endParaRPr>
-          </a:p>
-        </p:txBody>
-      </p:sp>
-      <p:sp>
-        <p:nvSpPr>
-          <p:cNvPr id="25" name="TextBox 24"/>
-          <p:cNvSpPr txBox="1"/>
-          <p:nvPr/>
-        </p:nvSpPr>
-        <p:spPr>
-          <a:xfrm>
-            <a:off x="8348463" y="9237919"/>
-            <a:ext cx="1719461" cy="289441"/>
-          </a:xfrm>
-          <a:prstGeom prst="roundRect">
-            <a:avLst/>
-          </a:prstGeom>
-          <a:solidFill>
-            <a:schemeClr val="bg1">
-              <a:lumMod val="85000"/>
-            </a:schemeClr>
-          </a:solidFill>
-          <a:ln w="12700">
-            <a:solidFill>
-              <a:schemeClr val="tx1"/>
-            </a:solidFill>
-          </a:ln>
-        </p:spPr>
-        <p:txBody>
-          <a:bodyPr wrap="square" rtlCol="0" anchor="ctr">
-            <a:spAutoFit/>
-          </a:bodyPr>
-          <a:lstStyle/>
-          <a:p>
-            <a:pPr algn="ctr"/>
-            <a:r>
               <a:rPr lang="en-US" sz="1100" b="1" smtClean="0">
                 <a:latin typeface="Helvetica" charset="0"/>
                 <a:ea typeface="Helvetica" charset="0"/>
@@ -3584,11 +3565,7 @@
           <a:prstGeom prst="roundRect">
             <a:avLst/>
           </a:prstGeom>
-          <a:solidFill>
-            <a:schemeClr val="bg1">
-              <a:lumMod val="85000"/>
-            </a:schemeClr>
-          </a:solidFill>
+          <a:noFill/>
           <a:ln w="12700">
             <a:solidFill>
               <a:schemeClr val="tx1"/>
@@ -3632,11 +3609,7 @@
           <a:prstGeom prst="roundRect">
             <a:avLst/>
           </a:prstGeom>
-          <a:solidFill>
-            <a:schemeClr val="bg1">
-              <a:lumMod val="85000"/>
-            </a:schemeClr>
-          </a:solidFill>
+          <a:noFill/>
           <a:ln w="12700">
             <a:solidFill>
               <a:schemeClr val="tx1"/>
@@ -3680,11 +3653,7 @@
           <a:prstGeom prst="roundRect">
             <a:avLst/>
           </a:prstGeom>
-          <a:solidFill>
-            <a:schemeClr val="bg1">
-              <a:lumMod val="85000"/>
-            </a:schemeClr>
-          </a:solidFill>
+          <a:noFill/>
           <a:ln w="12700">
             <a:solidFill>
               <a:schemeClr val="tx1"/>
@@ -3736,11 +3705,7 @@
           <a:prstGeom prst="roundRect">
             <a:avLst/>
           </a:prstGeom>
-          <a:solidFill>
-            <a:schemeClr val="bg1">
-              <a:lumMod val="85000"/>
-            </a:schemeClr>
-          </a:solidFill>
+          <a:noFill/>
           <a:ln w="12700">
             <a:solidFill>
               <a:schemeClr val="tx1"/>
@@ -3792,11 +3757,7 @@
           <a:prstGeom prst="roundRect">
             <a:avLst/>
           </a:prstGeom>
-          <a:solidFill>
-            <a:schemeClr val="bg1">
-              <a:lumMod val="85000"/>
-            </a:schemeClr>
-          </a:solidFill>
+          <a:noFill/>
           <a:ln w="12700">
             <a:solidFill>
               <a:schemeClr val="tx1"/>
@@ -6101,7 +6062,7 @@
   <a:extraClrSchemeLst/>
   <a:extLst>
     <a:ext uri="{05A4C25C-085E-4340-85A3-A5531E510DB2}">
-      <thm15:themeFamily xmlns:thm15="http://schemas.microsoft.com/office/thememl/2012/main" xmlns="" name="Office Theme" id="{62F939B6-93AF-4DB8-9C6B-D6C7DFDC589F}" vid="{4A3C46E8-61CC-4603-A589-7422A47A8E4A}"/>
+      <thm15:themeFamily xmlns:thm15="http://schemas.microsoft.com/office/thememl/2012/main" name="Office Theme" id="{62F939B6-93AF-4DB8-9C6B-D6C7DFDC589F}" vid="{4A3C46E8-61CC-4603-A589-7422A47A8E4A}"/>
     </a:ext>
   </a:extLst>
 </a:theme>

--- a/case-studies/jmMagallanes.pptx
+++ b/case-studies/jmMagallanes.pptx
@@ -254,7 +254,7 @@
           <a:p>
             <a:fld id="{44608ED9-4F79-D548-8E8D-C5D319F6A783}" type="datetimeFigureOut">
               <a:rPr lang="en-US" smtClean="0"/>
-              <a:t>5/17/16</a:t>
+              <a:t>6/30/16</a:t>
             </a:fld>
             <a:endParaRPr lang="en-US"/>
           </a:p>
@@ -424,7 +424,7 @@
           <a:p>
             <a:fld id="{44608ED9-4F79-D548-8E8D-C5D319F6A783}" type="datetimeFigureOut">
               <a:rPr lang="en-US" smtClean="0"/>
-              <a:t>5/17/16</a:t>
+              <a:t>6/30/16</a:t>
             </a:fld>
             <a:endParaRPr lang="en-US"/>
           </a:p>
@@ -604,7 +604,7 @@
           <a:p>
             <a:fld id="{44608ED9-4F79-D548-8E8D-C5D319F6A783}" type="datetimeFigureOut">
               <a:rPr lang="en-US" smtClean="0"/>
-              <a:t>5/17/16</a:t>
+              <a:t>6/30/16</a:t>
             </a:fld>
             <a:endParaRPr lang="en-US"/>
           </a:p>
@@ -774,7 +774,7 @@
           <a:p>
             <a:fld id="{44608ED9-4F79-D548-8E8D-C5D319F6A783}" type="datetimeFigureOut">
               <a:rPr lang="en-US" smtClean="0"/>
-              <a:t>5/17/16</a:t>
+              <a:t>6/30/16</a:t>
             </a:fld>
             <a:endParaRPr lang="en-US"/>
           </a:p>
@@ -1020,7 +1020,7 @@
           <a:p>
             <a:fld id="{44608ED9-4F79-D548-8E8D-C5D319F6A783}" type="datetimeFigureOut">
               <a:rPr lang="en-US" smtClean="0"/>
-              <a:t>5/17/16</a:t>
+              <a:t>6/30/16</a:t>
             </a:fld>
             <a:endParaRPr lang="en-US"/>
           </a:p>
@@ -1252,7 +1252,7 @@
           <a:p>
             <a:fld id="{44608ED9-4F79-D548-8E8D-C5D319F6A783}" type="datetimeFigureOut">
               <a:rPr lang="en-US" smtClean="0"/>
-              <a:t>5/17/16</a:t>
+              <a:t>6/30/16</a:t>
             </a:fld>
             <a:endParaRPr lang="en-US"/>
           </a:p>
@@ -1619,7 +1619,7 @@
           <a:p>
             <a:fld id="{44608ED9-4F79-D548-8E8D-C5D319F6A783}" type="datetimeFigureOut">
               <a:rPr lang="en-US" smtClean="0"/>
-              <a:t>5/17/16</a:t>
+              <a:t>6/30/16</a:t>
             </a:fld>
             <a:endParaRPr lang="en-US"/>
           </a:p>
@@ -1737,7 +1737,7 @@
           <a:p>
             <a:fld id="{44608ED9-4F79-D548-8E8D-C5D319F6A783}" type="datetimeFigureOut">
               <a:rPr lang="en-US" smtClean="0"/>
-              <a:t>5/17/16</a:t>
+              <a:t>6/30/16</a:t>
             </a:fld>
             <a:endParaRPr lang="en-US"/>
           </a:p>
@@ -1832,7 +1832,7 @@
           <a:p>
             <a:fld id="{44608ED9-4F79-D548-8E8D-C5D319F6A783}" type="datetimeFigureOut">
               <a:rPr lang="en-US" smtClean="0"/>
-              <a:t>5/17/16</a:t>
+              <a:t>6/30/16</a:t>
             </a:fld>
             <a:endParaRPr lang="en-US"/>
           </a:p>
@@ -2109,7 +2109,7 @@
           <a:p>
             <a:fld id="{44608ED9-4F79-D548-8E8D-C5D319F6A783}" type="datetimeFigureOut">
               <a:rPr lang="en-US" smtClean="0"/>
-              <a:t>5/17/16</a:t>
+              <a:t>6/30/16</a:t>
             </a:fld>
             <a:endParaRPr lang="en-US"/>
           </a:p>
@@ -2362,7 +2362,7 @@
           <a:p>
             <a:fld id="{44608ED9-4F79-D548-8E8D-C5D319F6A783}" type="datetimeFigureOut">
               <a:rPr lang="en-US" smtClean="0"/>
-              <a:t>5/17/16</a:t>
+              <a:t>6/30/16</a:t>
             </a:fld>
             <a:endParaRPr lang="en-US"/>
           </a:p>
@@ -2575,7 +2575,7 @@
           <a:p>
             <a:fld id="{44608ED9-4F79-D548-8E8D-C5D319F6A783}" type="datetimeFigureOut">
               <a:rPr lang="en-US" smtClean="0"/>
-              <a:t>5/17/16</a:t>
+              <a:t>6/30/16</a:t>
             </a:fld>
             <a:endParaRPr lang="en-US"/>
           </a:p>
@@ -4515,8 +4515,8 @@
         </p:nvSpPr>
         <p:spPr>
           <a:xfrm>
-            <a:off x="8625292" y="5784712"/>
-            <a:ext cx="914400" cy="365760"/>
+            <a:off x="8625292" y="5729229"/>
+            <a:ext cx="914400" cy="476726"/>
           </a:xfrm>
           <a:prstGeom prst="roundRect">
             <a:avLst/>
@@ -4538,12 +4538,20 @@
           <a:p>
             <a:pPr algn="ctr"/>
             <a:r>
+              <a:rPr lang="en-US" sz="1100" b="1" dirty="0" err="1" smtClean="0">
+                <a:latin typeface="Helvetica" charset="0"/>
+                <a:ea typeface="Helvetica" charset="0"/>
+                <a:cs typeface="Helvetica" charset="0"/>
+              </a:rPr>
+              <a:t>GitHub</a:t>
+            </a:r>
+            <a:r>
               <a:rPr lang="en-US" sz="1100" b="1" dirty="0" smtClean="0">
                 <a:latin typeface="Helvetica" charset="0"/>
                 <a:ea typeface="Helvetica" charset="0"/>
                 <a:cs typeface="Helvetica" charset="0"/>
               </a:rPr>
-              <a:t>GITHUB  Repo</a:t>
+              <a:t> Repo</a:t>
             </a:r>
             <a:endParaRPr lang="en-US" sz="1100" b="1" dirty="0">
               <a:latin typeface="Helvetica" charset="0"/>
@@ -4607,8 +4615,8 @@
         </p:nvSpPr>
         <p:spPr>
           <a:xfrm>
-            <a:off x="8625292" y="4779660"/>
-            <a:ext cx="914400" cy="365760"/>
+            <a:off x="8625292" y="4724177"/>
+            <a:ext cx="914400" cy="476726"/>
           </a:xfrm>
           <a:prstGeom prst="roundRect">
             <a:avLst/>
@@ -4630,12 +4638,28 @@
           <a:p>
             <a:pPr algn="ctr"/>
             <a:r>
+              <a:rPr lang="en-US" sz="1100" b="1" dirty="0" err="1" smtClean="0">
+                <a:latin typeface="Helvetica" charset="0"/>
+                <a:ea typeface="Helvetica" charset="0"/>
+                <a:cs typeface="Helvetica" charset="0"/>
+              </a:rPr>
+              <a:t>GitHub</a:t>
+            </a:r>
+            <a:r>
               <a:rPr lang="en-US" sz="1100" b="1" dirty="0" smtClean="0">
                 <a:latin typeface="Helvetica" charset="0"/>
                 <a:ea typeface="Helvetica" charset="0"/>
                 <a:cs typeface="Helvetica" charset="0"/>
               </a:rPr>
-              <a:t>GITHUB  Desktop</a:t>
+              <a:t> </a:t>
+            </a:r>
+            <a:r>
+              <a:rPr lang="en-US" sz="1100" b="1" dirty="0" smtClean="0">
+                <a:latin typeface="Helvetica" charset="0"/>
+                <a:ea typeface="Helvetica" charset="0"/>
+                <a:cs typeface="Helvetica" charset="0"/>
+              </a:rPr>
+              <a:t>Desktop</a:t>
             </a:r>
             <a:endParaRPr lang="en-US" sz="1100" b="1" dirty="0">
               <a:latin typeface="Helvetica" charset="0"/>

--- a/case-studies/jmMagallanes.pptx
+++ b/case-studies/jmMagallanes.pptx
@@ -3034,7 +3034,7 @@
         </p:nvSpPr>
         <p:spPr>
           <a:xfrm>
-            <a:off x="723263" y="2318028"/>
+            <a:off x="715550" y="2233128"/>
             <a:ext cx="11296941" cy="4265651"/>
           </a:xfrm>
           <a:prstGeom prst="roundRect">
@@ -4127,8 +4127,8 @@
         </p:nvSpPr>
         <p:spPr>
           <a:xfrm>
-            <a:off x="770712" y="4451731"/>
-            <a:ext cx="923544" cy="365760"/>
+            <a:off x="770712" y="4396248"/>
+            <a:ext cx="923544" cy="476726"/>
           </a:xfrm>
           <a:prstGeom prst="roundRect">
             <a:avLst/>
@@ -4173,8 +4173,8 @@
         </p:nvSpPr>
         <p:spPr>
           <a:xfrm>
-            <a:off x="1731114" y="4452507"/>
-            <a:ext cx="923544" cy="365760"/>
+            <a:off x="1731114" y="4397024"/>
+            <a:ext cx="923544" cy="476726"/>
           </a:xfrm>
           <a:prstGeom prst="roundRect">
             <a:avLst/>
@@ -4196,12 +4196,20 @@
           <a:p>
             <a:pPr algn="ctr"/>
             <a:r>
+              <a:rPr lang="en-US" sz="1100" b="1" smtClean="0">
+                <a:latin typeface="Helvetica" charset="0"/>
+                <a:ea typeface="Helvetica" charset="0"/>
+                <a:cs typeface="Helvetica" charset="0"/>
+              </a:rPr>
+              <a:t>Scraped </a:t>
+            </a:r>
+            <a:r>
               <a:rPr lang="en-US" sz="1100" b="1" dirty="0" smtClean="0">
                 <a:latin typeface="Helvetica" charset="0"/>
                 <a:ea typeface="Helvetica" charset="0"/>
                 <a:cs typeface="Helvetica" charset="0"/>
               </a:rPr>
-              <a:t>Scrapped Data sets</a:t>
+              <a:t>Data sets</a:t>
             </a:r>
             <a:endParaRPr lang="en-US" sz="1100" b="1" dirty="0">
               <a:latin typeface="Helvetica" charset="0"/>
@@ -4265,8 +4273,8 @@
         </p:nvSpPr>
         <p:spPr>
           <a:xfrm>
-            <a:off x="1735247" y="5174093"/>
-            <a:ext cx="927151" cy="365760"/>
+            <a:off x="1735247" y="5118610"/>
+            <a:ext cx="927151" cy="476726"/>
           </a:xfrm>
           <a:prstGeom prst="roundRect">
             <a:avLst/>
@@ -4293,7 +4301,7 @@
                 <a:ea typeface="Helvetica" charset="0"/>
                 <a:cs typeface="Helvetica" charset="0"/>
               </a:rPr>
-              <a:t>PYTHON Program</a:t>
+              <a:t>Python Program</a:t>
             </a:r>
             <a:endParaRPr lang="en-US" sz="1100" b="1" dirty="0">
               <a:latin typeface="Helvetica" charset="0"/>
@@ -4314,8 +4322,8 @@
         </p:nvCxnSpPr>
         <p:spPr>
           <a:xfrm>
-            <a:off x="2198823" y="5539853"/>
-            <a:ext cx="0" cy="355825"/>
+            <a:off x="2198823" y="5595336"/>
+            <a:ext cx="0" cy="300342"/>
           </a:xfrm>
           <a:prstGeom prst="straightConnector1">
             <a:avLst/>
@@ -4354,8 +4362,8 @@
         </p:nvCxnSpPr>
         <p:spPr>
           <a:xfrm flipH="1" flipV="1">
-            <a:off x="2192886" y="4818267"/>
-            <a:ext cx="5937" cy="355826"/>
+            <a:off x="2192886" y="4873750"/>
+            <a:ext cx="5937" cy="244860"/>
           </a:xfrm>
           <a:prstGeom prst="straightConnector1">
             <a:avLst/>
@@ -4651,15 +4659,7 @@
                 <a:ea typeface="Helvetica" charset="0"/>
                 <a:cs typeface="Helvetica" charset="0"/>
               </a:rPr>
-              <a:t> </a:t>
-            </a:r>
-            <a:r>
-              <a:rPr lang="en-US" sz="1100" b="1" dirty="0" smtClean="0">
-                <a:latin typeface="Helvetica" charset="0"/>
-                <a:ea typeface="Helvetica" charset="0"/>
-                <a:cs typeface="Helvetica" charset="0"/>
-              </a:rPr>
-              <a:t>Desktop</a:t>
+              <a:t> Desktop</a:t>
             </a:r>
             <a:endParaRPr lang="en-US" sz="1100" b="1" dirty="0">
               <a:latin typeface="Helvetica" charset="0"/>

--- a/case-studies/jmMagallanes.pptx
+++ b/case-studies/jmMagallanes.pptx
@@ -2,19 +2,19 @@
 <file path=ppt/presentation.xml><?xml version="1.0" encoding="utf-8"?>
 <p:presentation xmlns:a="http://schemas.openxmlformats.org/drawingml/2006/main" xmlns:r="http://schemas.openxmlformats.org/officeDocument/2006/relationships" xmlns:p="http://schemas.openxmlformats.org/presentationml/2006/main" saveSubsetFonts="1" autoCompressPictures="0">
   <p:sldMasterIdLst>
-    <p:sldMasterId id="2147483648" r:id="rId1"/>
+    <p:sldMasterId id="2147483660" r:id="rId1"/>
   </p:sldMasterIdLst>
   <p:sldIdLst>
     <p:sldId id="256" r:id="rId2"/>
   </p:sldIdLst>
-  <p:sldSz cx="12192000" cy="6858000"/>
+  <p:sldSz cx="9144000" cy="6858000" type="screen4x3"/>
   <p:notesSz cx="6858000" cy="9144000"/>
   <p:defaultTextStyle>
     <a:defPPr>
       <a:defRPr lang="en-US"/>
     </a:defPPr>
-    <a:lvl1pPr marL="0" algn="l" defTabSz="914400" rtl="0" eaLnBrk="1" latinLnBrk="0" hangingPunct="1">
-      <a:defRPr sz="1800" kern="1200">
+    <a:lvl1pPr marL="0" algn="l" defTabSz="914376" rtl="0" eaLnBrk="1" latinLnBrk="0" hangingPunct="1">
+      <a:defRPr sz="1801" kern="1200">
         <a:solidFill>
           <a:schemeClr val="tx1"/>
         </a:solidFill>
@@ -23,8 +23,8 @@
         <a:cs typeface="+mn-cs"/>
       </a:defRPr>
     </a:lvl1pPr>
-    <a:lvl2pPr marL="457200" algn="l" defTabSz="914400" rtl="0" eaLnBrk="1" latinLnBrk="0" hangingPunct="1">
-      <a:defRPr sz="1800" kern="1200">
+    <a:lvl2pPr marL="457187" algn="l" defTabSz="914376" rtl="0" eaLnBrk="1" latinLnBrk="0" hangingPunct="1">
+      <a:defRPr sz="1801" kern="1200">
         <a:solidFill>
           <a:schemeClr val="tx1"/>
         </a:solidFill>
@@ -33,8 +33,8 @@
         <a:cs typeface="+mn-cs"/>
       </a:defRPr>
     </a:lvl2pPr>
-    <a:lvl3pPr marL="914400" algn="l" defTabSz="914400" rtl="0" eaLnBrk="1" latinLnBrk="0" hangingPunct="1">
-      <a:defRPr sz="1800" kern="1200">
+    <a:lvl3pPr marL="914376" algn="l" defTabSz="914376" rtl="0" eaLnBrk="1" latinLnBrk="0" hangingPunct="1">
+      <a:defRPr sz="1801" kern="1200">
         <a:solidFill>
           <a:schemeClr val="tx1"/>
         </a:solidFill>
@@ -43,8 +43,8 @@
         <a:cs typeface="+mn-cs"/>
       </a:defRPr>
     </a:lvl3pPr>
-    <a:lvl4pPr marL="1371600" algn="l" defTabSz="914400" rtl="0" eaLnBrk="1" latinLnBrk="0" hangingPunct="1">
-      <a:defRPr sz="1800" kern="1200">
+    <a:lvl4pPr marL="1371563" algn="l" defTabSz="914376" rtl="0" eaLnBrk="1" latinLnBrk="0" hangingPunct="1">
+      <a:defRPr sz="1801" kern="1200">
         <a:solidFill>
           <a:schemeClr val="tx1"/>
         </a:solidFill>
@@ -53,8 +53,8 @@
         <a:cs typeface="+mn-cs"/>
       </a:defRPr>
     </a:lvl4pPr>
-    <a:lvl5pPr marL="1828800" algn="l" defTabSz="914400" rtl="0" eaLnBrk="1" latinLnBrk="0" hangingPunct="1">
-      <a:defRPr sz="1800" kern="1200">
+    <a:lvl5pPr marL="1828752" algn="l" defTabSz="914376" rtl="0" eaLnBrk="1" latinLnBrk="0" hangingPunct="1">
+      <a:defRPr sz="1801" kern="1200">
         <a:solidFill>
           <a:schemeClr val="tx1"/>
         </a:solidFill>
@@ -63,8 +63,8 @@
         <a:cs typeface="+mn-cs"/>
       </a:defRPr>
     </a:lvl5pPr>
-    <a:lvl6pPr marL="2286000" algn="l" defTabSz="914400" rtl="0" eaLnBrk="1" latinLnBrk="0" hangingPunct="1">
-      <a:defRPr sz="1800" kern="1200">
+    <a:lvl6pPr marL="2285939" algn="l" defTabSz="914376" rtl="0" eaLnBrk="1" latinLnBrk="0" hangingPunct="1">
+      <a:defRPr sz="1801" kern="1200">
         <a:solidFill>
           <a:schemeClr val="tx1"/>
         </a:solidFill>
@@ -73,8 +73,8 @@
         <a:cs typeface="+mn-cs"/>
       </a:defRPr>
     </a:lvl6pPr>
-    <a:lvl7pPr marL="2743200" algn="l" defTabSz="914400" rtl="0" eaLnBrk="1" latinLnBrk="0" hangingPunct="1">
-      <a:defRPr sz="1800" kern="1200">
+    <a:lvl7pPr marL="2743125" algn="l" defTabSz="914376" rtl="0" eaLnBrk="1" latinLnBrk="0" hangingPunct="1">
+      <a:defRPr sz="1801" kern="1200">
         <a:solidFill>
           <a:schemeClr val="tx1"/>
         </a:solidFill>
@@ -83,8 +83,8 @@
         <a:cs typeface="+mn-cs"/>
       </a:defRPr>
     </a:lvl7pPr>
-    <a:lvl8pPr marL="3200400" algn="l" defTabSz="914400" rtl="0" eaLnBrk="1" latinLnBrk="0" hangingPunct="1">
-      <a:defRPr sz="1800" kern="1200">
+    <a:lvl8pPr marL="3200315" algn="l" defTabSz="914376" rtl="0" eaLnBrk="1" latinLnBrk="0" hangingPunct="1">
+      <a:defRPr sz="1801" kern="1200">
         <a:solidFill>
           <a:schemeClr val="tx1"/>
         </a:solidFill>
@@ -93,8 +93,8 @@
         <a:cs typeface="+mn-cs"/>
       </a:defRPr>
     </a:lvl8pPr>
-    <a:lvl9pPr marL="3657600" algn="l" defTabSz="914400" rtl="0" eaLnBrk="1" latinLnBrk="0" hangingPunct="1">
-      <a:defRPr sz="1800" kern="1200">
+    <a:lvl9pPr marL="3657501" algn="l" defTabSz="914376" rtl="0" eaLnBrk="1" latinLnBrk="0" hangingPunct="1">
+      <a:defRPr sz="1801" kern="1200">
         <a:solidFill>
           <a:schemeClr val="tx1"/>
         </a:solidFill>
@@ -107,12 +107,12 @@
   <p:extLst>
     <p:ext uri="{EFAFB233-063F-42B5-8137-9DF3F51BA10A}">
       <p15:sldGuideLst xmlns:p15="http://schemas.microsoft.com/office/powerpoint/2012/main">
-        <p15:guide id="1" orient="horz" pos="2160">
+        <p15:guide id="1" orient="horz" pos="2160" userDrawn="1">
           <p15:clr>
             <a:srgbClr val="A4A3A4"/>
           </p15:clr>
         </p15:guide>
-        <p15:guide id="2" pos="3840">
+        <p15:guide id="2" pos="2880" userDrawn="1">
           <p15:clr>
             <a:srgbClr val="A4A3A4"/>
           </p15:clr>
@@ -152,8 +152,8 @@
         </p:nvSpPr>
         <p:spPr>
           <a:xfrm>
-            <a:off x="1524000" y="1122363"/>
-            <a:ext cx="9144000" cy="2387600"/>
+            <a:off x="685800" y="1122363"/>
+            <a:ext cx="7772400" cy="2387600"/>
           </a:xfrm>
         </p:spPr>
         <p:txBody>
@@ -168,7 +168,7 @@
               <a:rPr lang="en-US" smtClean="0"/>
               <a:t>Click to edit Master title style</a:t>
             </a:r>
-            <a:endParaRPr lang="en-US"/>
+            <a:endParaRPr lang="en-US" dirty="0"/>
           </a:p>
         </p:txBody>
       </p:sp>
@@ -184,8 +184,8 @@
         </p:nvSpPr>
         <p:spPr>
           <a:xfrm>
-            <a:off x="1524000" y="3602038"/>
-            <a:ext cx="9144000" cy="1655762"/>
+            <a:off x="1143000" y="3602038"/>
+            <a:ext cx="6858000" cy="1655762"/>
           </a:xfrm>
         </p:spPr>
         <p:txBody>
@@ -233,7 +233,7 @@
               <a:rPr lang="en-US" smtClean="0"/>
               <a:t>Click to edit Master subtitle style</a:t>
             </a:r>
-            <a:endParaRPr lang="en-US"/>
+            <a:endParaRPr lang="en-US" dirty="0"/>
           </a:p>
         </p:txBody>
       </p:sp>
@@ -254,7 +254,7 @@
           <a:p>
             <a:fld id="{44608ED9-4F79-D548-8E8D-C5D319F6A783}" type="datetimeFigureOut">
               <a:rPr lang="en-US" smtClean="0"/>
-              <a:t>6/30/16</a:t>
+              <a:t>10/5/16</a:t>
             </a:fld>
             <a:endParaRPr lang="en-US"/>
           </a:p>
@@ -305,7 +305,7 @@
     </p:spTree>
     <p:extLst>
       <p:ext uri="{BB962C8B-B14F-4D97-AF65-F5344CB8AC3E}">
-        <p14:creationId xmlns:p14="http://schemas.microsoft.com/office/powerpoint/2010/main" val="1485835881"/>
+        <p14:creationId xmlns:p14="http://schemas.microsoft.com/office/powerpoint/2010/main" val="1611109907"/>
       </p:ext>
     </p:extLst>
   </p:cSld>
@@ -351,7 +351,7 @@
               <a:rPr lang="en-US" smtClean="0"/>
               <a:t>Click to edit Master title style</a:t>
             </a:r>
-            <a:endParaRPr lang="en-US"/>
+            <a:endParaRPr lang="en-US" dirty="0"/>
           </a:p>
         </p:txBody>
       </p:sp>
@@ -403,7 +403,7 @@
               <a:rPr lang="en-US" smtClean="0"/>
               <a:t>Fifth level</a:t>
             </a:r>
-            <a:endParaRPr lang="en-US"/>
+            <a:endParaRPr lang="en-US" dirty="0"/>
           </a:p>
         </p:txBody>
       </p:sp>
@@ -424,7 +424,7 @@
           <a:p>
             <a:fld id="{44608ED9-4F79-D548-8E8D-C5D319F6A783}" type="datetimeFigureOut">
               <a:rPr lang="en-US" smtClean="0"/>
-              <a:t>6/30/16</a:t>
+              <a:t>10/5/16</a:t>
             </a:fld>
             <a:endParaRPr lang="en-US"/>
           </a:p>
@@ -475,7 +475,7 @@
     </p:spTree>
     <p:extLst>
       <p:ext uri="{BB962C8B-B14F-4D97-AF65-F5344CB8AC3E}">
-        <p14:creationId xmlns:p14="http://schemas.microsoft.com/office/powerpoint/2010/main" val="1378870909"/>
+        <p14:creationId xmlns:p14="http://schemas.microsoft.com/office/powerpoint/2010/main" val="500059818"/>
       </p:ext>
     </p:extLst>
   </p:cSld>
@@ -514,8 +514,8 @@
         </p:nvSpPr>
         <p:spPr>
           <a:xfrm>
-            <a:off x="8724900" y="365125"/>
-            <a:ext cx="2628900" cy="5811838"/>
+            <a:off x="6543675" y="365125"/>
+            <a:ext cx="1971675" cy="5811838"/>
           </a:xfrm>
         </p:spPr>
         <p:txBody>
@@ -526,7 +526,7 @@
               <a:rPr lang="en-US" smtClean="0"/>
               <a:t>Click to edit Master title style</a:t>
             </a:r>
-            <a:endParaRPr lang="en-US"/>
+            <a:endParaRPr lang="en-US" dirty="0"/>
           </a:p>
         </p:txBody>
       </p:sp>
@@ -542,8 +542,8 @@
         </p:nvSpPr>
         <p:spPr>
           <a:xfrm>
-            <a:off x="838200" y="365125"/>
-            <a:ext cx="7734300" cy="5811838"/>
+            <a:off x="628650" y="365125"/>
+            <a:ext cx="5800725" cy="5811838"/>
           </a:xfrm>
         </p:spPr>
         <p:txBody>
@@ -583,7 +583,7 @@
               <a:rPr lang="en-US" smtClean="0"/>
               <a:t>Fifth level</a:t>
             </a:r>
-            <a:endParaRPr lang="en-US"/>
+            <a:endParaRPr lang="en-US" dirty="0"/>
           </a:p>
         </p:txBody>
       </p:sp>
@@ -604,7 +604,7 @@
           <a:p>
             <a:fld id="{44608ED9-4F79-D548-8E8D-C5D319F6A783}" type="datetimeFigureOut">
               <a:rPr lang="en-US" smtClean="0"/>
-              <a:t>6/30/16</a:t>
+              <a:t>10/5/16</a:t>
             </a:fld>
             <a:endParaRPr lang="en-US"/>
           </a:p>
@@ -655,7 +655,7 @@
     </p:spTree>
     <p:extLst>
       <p:ext uri="{BB962C8B-B14F-4D97-AF65-F5344CB8AC3E}">
-        <p14:creationId xmlns:p14="http://schemas.microsoft.com/office/powerpoint/2010/main" val="1187332786"/>
+        <p14:creationId xmlns:p14="http://schemas.microsoft.com/office/powerpoint/2010/main" val="1401850415"/>
       </p:ext>
     </p:extLst>
   </p:cSld>
@@ -701,7 +701,7 @@
               <a:rPr lang="en-US" smtClean="0"/>
               <a:t>Click to edit Master title style</a:t>
             </a:r>
-            <a:endParaRPr lang="en-US"/>
+            <a:endParaRPr lang="en-US" dirty="0"/>
           </a:p>
         </p:txBody>
       </p:sp>
@@ -753,7 +753,7 @@
               <a:rPr lang="en-US" smtClean="0"/>
               <a:t>Fifth level</a:t>
             </a:r>
-            <a:endParaRPr lang="en-US"/>
+            <a:endParaRPr lang="en-US" dirty="0"/>
           </a:p>
         </p:txBody>
       </p:sp>
@@ -774,7 +774,7 @@
           <a:p>
             <a:fld id="{44608ED9-4F79-D548-8E8D-C5D319F6A783}" type="datetimeFigureOut">
               <a:rPr lang="en-US" smtClean="0"/>
-              <a:t>6/30/16</a:t>
+              <a:t>10/5/16</a:t>
             </a:fld>
             <a:endParaRPr lang="en-US"/>
           </a:p>
@@ -825,7 +825,7 @@
     </p:spTree>
     <p:extLst>
       <p:ext uri="{BB962C8B-B14F-4D97-AF65-F5344CB8AC3E}">
-        <p14:creationId xmlns:p14="http://schemas.microsoft.com/office/powerpoint/2010/main" val="1669486514"/>
+        <p14:creationId xmlns:p14="http://schemas.microsoft.com/office/powerpoint/2010/main" val="302901926"/>
       </p:ext>
     </p:extLst>
   </p:cSld>
@@ -864,8 +864,8 @@
         </p:nvSpPr>
         <p:spPr>
           <a:xfrm>
-            <a:off x="831850" y="1709738"/>
-            <a:ext cx="10515600" cy="2852737"/>
+            <a:off x="623888" y="1709739"/>
+            <a:ext cx="7886700" cy="2852737"/>
           </a:xfrm>
         </p:spPr>
         <p:txBody>
@@ -880,7 +880,7 @@
               <a:rPr lang="en-US" smtClean="0"/>
               <a:t>Click to edit Master title style</a:t>
             </a:r>
-            <a:endParaRPr lang="en-US"/>
+            <a:endParaRPr lang="en-US" dirty="0"/>
           </a:p>
         </p:txBody>
       </p:sp>
@@ -896,8 +896,8 @@
         </p:nvSpPr>
         <p:spPr>
           <a:xfrm>
-            <a:off x="831850" y="4589463"/>
-            <a:ext cx="10515600" cy="1500187"/>
+            <a:off x="623888" y="4589464"/>
+            <a:ext cx="7886700" cy="1500187"/>
           </a:xfrm>
         </p:spPr>
         <p:txBody>
@@ -907,9 +907,7 @@
               <a:buNone/>
               <a:defRPr sz="2400">
                 <a:solidFill>
-                  <a:schemeClr val="tx1">
-                    <a:tint val="75000"/>
-                  </a:schemeClr>
+                  <a:schemeClr val="tx1"/>
                 </a:solidFill>
               </a:defRPr>
             </a:lvl1pPr>
@@ -1020,7 +1018,7 @@
           <a:p>
             <a:fld id="{44608ED9-4F79-D548-8E8D-C5D319F6A783}" type="datetimeFigureOut">
               <a:rPr lang="en-US" smtClean="0"/>
-              <a:t>6/30/16</a:t>
+              <a:t>10/5/16</a:t>
             </a:fld>
             <a:endParaRPr lang="en-US"/>
           </a:p>
@@ -1071,7 +1069,7 @@
     </p:spTree>
     <p:extLst>
       <p:ext uri="{BB962C8B-B14F-4D97-AF65-F5344CB8AC3E}">
-        <p14:creationId xmlns:p14="http://schemas.microsoft.com/office/powerpoint/2010/main" val="38509096"/>
+        <p14:creationId xmlns:p14="http://schemas.microsoft.com/office/powerpoint/2010/main" val="1336426892"/>
       </p:ext>
     </p:extLst>
   </p:cSld>
@@ -1117,7 +1115,7 @@
               <a:rPr lang="en-US" smtClean="0"/>
               <a:t>Click to edit Master title style</a:t>
             </a:r>
-            <a:endParaRPr lang="en-US"/>
+            <a:endParaRPr lang="en-US" dirty="0"/>
           </a:p>
         </p:txBody>
       </p:sp>
@@ -1133,8 +1131,8 @@
         </p:nvSpPr>
         <p:spPr>
           <a:xfrm>
-            <a:off x="838200" y="1825625"/>
-            <a:ext cx="5181600" cy="4351338"/>
+            <a:off x="628650" y="1825625"/>
+            <a:ext cx="3886200" cy="4351338"/>
           </a:xfrm>
         </p:spPr>
         <p:txBody>
@@ -1174,7 +1172,7 @@
               <a:rPr lang="en-US" smtClean="0"/>
               <a:t>Fifth level</a:t>
             </a:r>
-            <a:endParaRPr lang="en-US"/>
+            <a:endParaRPr lang="en-US" dirty="0"/>
           </a:p>
         </p:txBody>
       </p:sp>
@@ -1190,8 +1188,8 @@
         </p:nvSpPr>
         <p:spPr>
           <a:xfrm>
-            <a:off x="6172200" y="1825625"/>
-            <a:ext cx="5181600" cy="4351338"/>
+            <a:off x="4629150" y="1825625"/>
+            <a:ext cx="3886200" cy="4351338"/>
           </a:xfrm>
         </p:spPr>
         <p:txBody>
@@ -1231,7 +1229,7 @@
               <a:rPr lang="en-US" smtClean="0"/>
               <a:t>Fifth level</a:t>
             </a:r>
-            <a:endParaRPr lang="en-US"/>
+            <a:endParaRPr lang="en-US" dirty="0"/>
           </a:p>
         </p:txBody>
       </p:sp>
@@ -1252,7 +1250,7 @@
           <a:p>
             <a:fld id="{44608ED9-4F79-D548-8E8D-C5D319F6A783}" type="datetimeFigureOut">
               <a:rPr lang="en-US" smtClean="0"/>
-              <a:t>6/30/16</a:t>
+              <a:t>10/5/16</a:t>
             </a:fld>
             <a:endParaRPr lang="en-US"/>
           </a:p>
@@ -1303,7 +1301,7 @@
     </p:spTree>
     <p:extLst>
       <p:ext uri="{BB962C8B-B14F-4D97-AF65-F5344CB8AC3E}">
-        <p14:creationId xmlns:p14="http://schemas.microsoft.com/office/powerpoint/2010/main" val="829798725"/>
+        <p14:creationId xmlns:p14="http://schemas.microsoft.com/office/powerpoint/2010/main" val="795309871"/>
       </p:ext>
     </p:extLst>
   </p:cSld>
@@ -1342,8 +1340,8 @@
         </p:nvSpPr>
         <p:spPr>
           <a:xfrm>
-            <a:off x="839788" y="365125"/>
-            <a:ext cx="10515600" cy="1325563"/>
+            <a:off x="629841" y="365126"/>
+            <a:ext cx="7886700" cy="1325563"/>
           </a:xfrm>
         </p:spPr>
         <p:txBody>
@@ -1354,7 +1352,7 @@
               <a:rPr lang="en-US" smtClean="0"/>
               <a:t>Click to edit Master title style</a:t>
             </a:r>
-            <a:endParaRPr lang="en-US"/>
+            <a:endParaRPr lang="en-US" dirty="0"/>
           </a:p>
         </p:txBody>
       </p:sp>
@@ -1370,8 +1368,8 @@
         </p:nvSpPr>
         <p:spPr>
           <a:xfrm>
-            <a:off x="839788" y="1681163"/>
-            <a:ext cx="5157787" cy="823912"/>
+            <a:off x="629842" y="1681163"/>
+            <a:ext cx="3868340" cy="823912"/>
           </a:xfrm>
         </p:spPr>
         <p:txBody>
@@ -1435,8 +1433,8 @@
         </p:nvSpPr>
         <p:spPr>
           <a:xfrm>
-            <a:off x="839788" y="2505075"/>
-            <a:ext cx="5157787" cy="3684588"/>
+            <a:off x="629842" y="2505075"/>
+            <a:ext cx="3868340" cy="3684588"/>
           </a:xfrm>
         </p:spPr>
         <p:txBody>
@@ -1476,7 +1474,7 @@
               <a:rPr lang="en-US" smtClean="0"/>
               <a:t>Fifth level</a:t>
             </a:r>
-            <a:endParaRPr lang="en-US"/>
+            <a:endParaRPr lang="en-US" dirty="0"/>
           </a:p>
         </p:txBody>
       </p:sp>
@@ -1492,8 +1490,8 @@
         </p:nvSpPr>
         <p:spPr>
           <a:xfrm>
-            <a:off x="6172200" y="1681163"/>
-            <a:ext cx="5183188" cy="823912"/>
+            <a:off x="4629150" y="1681163"/>
+            <a:ext cx="3887391" cy="823912"/>
           </a:xfrm>
         </p:spPr>
         <p:txBody>
@@ -1557,8 +1555,8 @@
         </p:nvSpPr>
         <p:spPr>
           <a:xfrm>
-            <a:off x="6172200" y="2505075"/>
-            <a:ext cx="5183188" cy="3684588"/>
+            <a:off x="4629150" y="2505075"/>
+            <a:ext cx="3887391" cy="3684588"/>
           </a:xfrm>
         </p:spPr>
         <p:txBody>
@@ -1598,7 +1596,7 @@
               <a:rPr lang="en-US" smtClean="0"/>
               <a:t>Fifth level</a:t>
             </a:r>
-            <a:endParaRPr lang="en-US"/>
+            <a:endParaRPr lang="en-US" dirty="0"/>
           </a:p>
         </p:txBody>
       </p:sp>
@@ -1619,7 +1617,7 @@
           <a:p>
             <a:fld id="{44608ED9-4F79-D548-8E8D-C5D319F6A783}" type="datetimeFigureOut">
               <a:rPr lang="en-US" smtClean="0"/>
-              <a:t>6/30/16</a:t>
+              <a:t>10/5/16</a:t>
             </a:fld>
             <a:endParaRPr lang="en-US"/>
           </a:p>
@@ -1670,7 +1668,7 @@
     </p:spTree>
     <p:extLst>
       <p:ext uri="{BB962C8B-B14F-4D97-AF65-F5344CB8AC3E}">
-        <p14:creationId xmlns:p14="http://schemas.microsoft.com/office/powerpoint/2010/main" val="668367457"/>
+        <p14:creationId xmlns:p14="http://schemas.microsoft.com/office/powerpoint/2010/main" val="834782969"/>
       </p:ext>
     </p:extLst>
   </p:cSld>
@@ -1716,7 +1714,7 @@
               <a:rPr lang="en-US" smtClean="0"/>
               <a:t>Click to edit Master title style</a:t>
             </a:r>
-            <a:endParaRPr lang="en-US"/>
+            <a:endParaRPr lang="en-US" dirty="0"/>
           </a:p>
         </p:txBody>
       </p:sp>
@@ -1737,7 +1735,7 @@
           <a:p>
             <a:fld id="{44608ED9-4F79-D548-8E8D-C5D319F6A783}" type="datetimeFigureOut">
               <a:rPr lang="en-US" smtClean="0"/>
-              <a:t>6/30/16</a:t>
+              <a:t>10/5/16</a:t>
             </a:fld>
             <a:endParaRPr lang="en-US"/>
           </a:p>
@@ -1788,7 +1786,7 @@
     </p:spTree>
     <p:extLst>
       <p:ext uri="{BB962C8B-B14F-4D97-AF65-F5344CB8AC3E}">
-        <p14:creationId xmlns:p14="http://schemas.microsoft.com/office/powerpoint/2010/main" val="1912375989"/>
+        <p14:creationId xmlns:p14="http://schemas.microsoft.com/office/powerpoint/2010/main" val="686694132"/>
       </p:ext>
     </p:extLst>
   </p:cSld>
@@ -1832,7 +1830,7 @@
           <a:p>
             <a:fld id="{44608ED9-4F79-D548-8E8D-C5D319F6A783}" type="datetimeFigureOut">
               <a:rPr lang="en-US" smtClean="0"/>
-              <a:t>6/30/16</a:t>
+              <a:t>10/5/16</a:t>
             </a:fld>
             <a:endParaRPr lang="en-US"/>
           </a:p>
@@ -1883,7 +1881,7 @@
     </p:spTree>
     <p:extLst>
       <p:ext uri="{BB962C8B-B14F-4D97-AF65-F5344CB8AC3E}">
-        <p14:creationId xmlns:p14="http://schemas.microsoft.com/office/powerpoint/2010/main" val="2062986121"/>
+        <p14:creationId xmlns:p14="http://schemas.microsoft.com/office/powerpoint/2010/main" val="691157546"/>
       </p:ext>
     </p:extLst>
   </p:cSld>
@@ -1922,8 +1920,8 @@
         </p:nvSpPr>
         <p:spPr>
           <a:xfrm>
-            <a:off x="839788" y="457200"/>
-            <a:ext cx="3932237" cy="1600200"/>
+            <a:off x="629841" y="457200"/>
+            <a:ext cx="2949178" cy="1600200"/>
           </a:xfrm>
         </p:spPr>
         <p:txBody>
@@ -1938,7 +1936,7 @@
               <a:rPr lang="en-US" smtClean="0"/>
               <a:t>Click to edit Master title style</a:t>
             </a:r>
-            <a:endParaRPr lang="en-US"/>
+            <a:endParaRPr lang="en-US" dirty="0"/>
           </a:p>
         </p:txBody>
       </p:sp>
@@ -1954,8 +1952,8 @@
         </p:nvSpPr>
         <p:spPr>
           <a:xfrm>
-            <a:off x="5183188" y="987425"/>
-            <a:ext cx="6172200" cy="4873625"/>
+            <a:off x="3887391" y="987426"/>
+            <a:ext cx="4629150" cy="4873625"/>
           </a:xfrm>
         </p:spPr>
         <p:txBody>
@@ -2023,7 +2021,7 @@
               <a:rPr lang="en-US" smtClean="0"/>
               <a:t>Fifth level</a:t>
             </a:r>
-            <a:endParaRPr lang="en-US"/>
+            <a:endParaRPr lang="en-US" dirty="0"/>
           </a:p>
         </p:txBody>
       </p:sp>
@@ -2039,8 +2037,8 @@
         </p:nvSpPr>
         <p:spPr>
           <a:xfrm>
-            <a:off x="839788" y="2057400"/>
-            <a:ext cx="3932237" cy="3811588"/>
+            <a:off x="629841" y="2057400"/>
+            <a:ext cx="2949178" cy="3811588"/>
           </a:xfrm>
         </p:spPr>
         <p:txBody>
@@ -2109,7 +2107,7 @@
           <a:p>
             <a:fld id="{44608ED9-4F79-D548-8E8D-C5D319F6A783}" type="datetimeFigureOut">
               <a:rPr lang="en-US" smtClean="0"/>
-              <a:t>6/30/16</a:t>
+              <a:t>10/5/16</a:t>
             </a:fld>
             <a:endParaRPr lang="en-US"/>
           </a:p>
@@ -2160,7 +2158,7 @@
     </p:spTree>
     <p:extLst>
       <p:ext uri="{BB962C8B-B14F-4D97-AF65-F5344CB8AC3E}">
-        <p14:creationId xmlns:p14="http://schemas.microsoft.com/office/powerpoint/2010/main" val="1484254832"/>
+        <p14:creationId xmlns:p14="http://schemas.microsoft.com/office/powerpoint/2010/main" val="545828999"/>
       </p:ext>
     </p:extLst>
   </p:cSld>
@@ -2199,8 +2197,8 @@
         </p:nvSpPr>
         <p:spPr>
           <a:xfrm>
-            <a:off x="839788" y="457200"/>
-            <a:ext cx="3932237" cy="1600200"/>
+            <a:off x="629841" y="457200"/>
+            <a:ext cx="2949178" cy="1600200"/>
           </a:xfrm>
         </p:spPr>
         <p:txBody>
@@ -2215,7 +2213,7 @@
               <a:rPr lang="en-US" smtClean="0"/>
               <a:t>Click to edit Master title style</a:t>
             </a:r>
-            <a:endParaRPr lang="en-US"/>
+            <a:endParaRPr lang="en-US" dirty="0"/>
           </a:p>
         </p:txBody>
       </p:sp>
@@ -2223,16 +2221,81 @@
         <p:nvSpPr>
           <p:cNvPr id="3" name="Picture Placeholder 2"/>
           <p:cNvSpPr>
+            <a:spLocks noGrp="1" noChangeAspect="1"/>
+          </p:cNvSpPr>
+          <p:nvPr>
+            <p:ph type="pic" idx="1"/>
+          </p:nvPr>
+        </p:nvSpPr>
+        <p:spPr>
+          <a:xfrm>
+            <a:off x="3887391" y="987426"/>
+            <a:ext cx="4629150" cy="4873625"/>
+          </a:xfrm>
+        </p:spPr>
+        <p:txBody>
+          <a:bodyPr anchor="t"/>
+          <a:lstStyle>
+            <a:lvl1pPr marL="0" indent="0">
+              <a:buNone/>
+              <a:defRPr sz="3200"/>
+            </a:lvl1pPr>
+            <a:lvl2pPr marL="457200" indent="0">
+              <a:buNone/>
+              <a:defRPr sz="2800"/>
+            </a:lvl2pPr>
+            <a:lvl3pPr marL="914400" indent="0">
+              <a:buNone/>
+              <a:defRPr sz="2400"/>
+            </a:lvl3pPr>
+            <a:lvl4pPr marL="1371600" indent="0">
+              <a:buNone/>
+              <a:defRPr sz="2000"/>
+            </a:lvl4pPr>
+            <a:lvl5pPr marL="1828800" indent="0">
+              <a:buNone/>
+              <a:defRPr sz="2000"/>
+            </a:lvl5pPr>
+            <a:lvl6pPr marL="2286000" indent="0">
+              <a:buNone/>
+              <a:defRPr sz="2000"/>
+            </a:lvl6pPr>
+            <a:lvl7pPr marL="2743200" indent="0">
+              <a:buNone/>
+              <a:defRPr sz="2000"/>
+            </a:lvl7pPr>
+            <a:lvl8pPr marL="3200400" indent="0">
+              <a:buNone/>
+              <a:defRPr sz="2000"/>
+            </a:lvl8pPr>
+            <a:lvl9pPr marL="3657600" indent="0">
+              <a:buNone/>
+              <a:defRPr sz="2000"/>
+            </a:lvl9pPr>
+          </a:lstStyle>
+          <a:p>
+            <a:r>
+              <a:rPr lang="en-US" smtClean="0"/>
+              <a:t>Drag picture to placeholder or click icon to add</a:t>
+            </a:r>
+            <a:endParaRPr lang="en-US" dirty="0"/>
+          </a:p>
+        </p:txBody>
+      </p:sp>
+      <p:sp>
+        <p:nvSpPr>
+          <p:cNvPr id="4" name="Text Placeholder 3"/>
+          <p:cNvSpPr>
             <a:spLocks noGrp="1"/>
           </p:cNvSpPr>
           <p:nvPr>
-            <p:ph type="pic" idx="1"/>
-          </p:nvPr>
-        </p:nvSpPr>
-        <p:spPr>
-          <a:xfrm>
-            <a:off x="5183188" y="987425"/>
-            <a:ext cx="6172200" cy="4873625"/>
+            <p:ph type="body" sz="half" idx="2"/>
+          </p:nvPr>
+        </p:nvSpPr>
+        <p:spPr>
+          <a:xfrm>
+            <a:off x="629841" y="2057400"/>
+            <a:ext cx="2949178" cy="3811588"/>
           </a:xfrm>
         </p:spPr>
         <p:txBody>
@@ -2240,67 +2303,6 @@
           <a:lstStyle>
             <a:lvl1pPr marL="0" indent="0">
               <a:buNone/>
-              <a:defRPr sz="3200"/>
-            </a:lvl1pPr>
-            <a:lvl2pPr marL="457200" indent="0">
-              <a:buNone/>
-              <a:defRPr sz="2800"/>
-            </a:lvl2pPr>
-            <a:lvl3pPr marL="914400" indent="0">
-              <a:buNone/>
-              <a:defRPr sz="2400"/>
-            </a:lvl3pPr>
-            <a:lvl4pPr marL="1371600" indent="0">
-              <a:buNone/>
-              <a:defRPr sz="2000"/>
-            </a:lvl4pPr>
-            <a:lvl5pPr marL="1828800" indent="0">
-              <a:buNone/>
-              <a:defRPr sz="2000"/>
-            </a:lvl5pPr>
-            <a:lvl6pPr marL="2286000" indent="0">
-              <a:buNone/>
-              <a:defRPr sz="2000"/>
-            </a:lvl6pPr>
-            <a:lvl7pPr marL="2743200" indent="0">
-              <a:buNone/>
-              <a:defRPr sz="2000"/>
-            </a:lvl7pPr>
-            <a:lvl8pPr marL="3200400" indent="0">
-              <a:buNone/>
-              <a:defRPr sz="2000"/>
-            </a:lvl8pPr>
-            <a:lvl9pPr marL="3657600" indent="0">
-              <a:buNone/>
-              <a:defRPr sz="2000"/>
-            </a:lvl9pPr>
-          </a:lstStyle>
-          <a:p>
-            <a:endParaRPr lang="en-US"/>
-          </a:p>
-        </p:txBody>
-      </p:sp>
-      <p:sp>
-        <p:nvSpPr>
-          <p:cNvPr id="4" name="Text Placeholder 3"/>
-          <p:cNvSpPr>
-            <a:spLocks noGrp="1"/>
-          </p:cNvSpPr>
-          <p:nvPr>
-            <p:ph type="body" sz="half" idx="2"/>
-          </p:nvPr>
-        </p:nvSpPr>
-        <p:spPr>
-          <a:xfrm>
-            <a:off x="839788" y="2057400"/>
-            <a:ext cx="3932237" cy="3811588"/>
-          </a:xfrm>
-        </p:spPr>
-        <p:txBody>
-          <a:bodyPr/>
-          <a:lstStyle>
-            <a:lvl1pPr marL="0" indent="0">
-              <a:buNone/>
               <a:defRPr sz="1600"/>
             </a:lvl1pPr>
             <a:lvl2pPr marL="457200" indent="0">
@@ -2362,7 +2364,7 @@
           <a:p>
             <a:fld id="{44608ED9-4F79-D548-8E8D-C5D319F6A783}" type="datetimeFigureOut">
               <a:rPr lang="en-US" smtClean="0"/>
-              <a:t>6/30/16</a:t>
+              <a:t>10/5/16</a:t>
             </a:fld>
             <a:endParaRPr lang="en-US"/>
           </a:p>
@@ -2413,7 +2415,7 @@
     </p:spTree>
     <p:extLst>
       <p:ext uri="{BB962C8B-B14F-4D97-AF65-F5344CB8AC3E}">
-        <p14:creationId xmlns:p14="http://schemas.microsoft.com/office/powerpoint/2010/main" val="700917872"/>
+        <p14:creationId xmlns:p14="http://schemas.microsoft.com/office/powerpoint/2010/main" val="1845329856"/>
       </p:ext>
     </p:extLst>
   </p:cSld>
@@ -2457,8 +2459,8 @@
         </p:nvSpPr>
         <p:spPr>
           <a:xfrm>
-            <a:off x="838200" y="365125"/>
-            <a:ext cx="10515600" cy="1325563"/>
+            <a:off x="628650" y="365126"/>
+            <a:ext cx="7886700" cy="1325563"/>
           </a:xfrm>
           <a:prstGeom prst="rect">
             <a:avLst/>
@@ -2474,7 +2476,7 @@
               <a:rPr lang="en-US" smtClean="0"/>
               <a:t>Click to edit Master title style</a:t>
             </a:r>
-            <a:endParaRPr lang="en-US"/>
+            <a:endParaRPr lang="en-US" dirty="0"/>
           </a:p>
         </p:txBody>
       </p:sp>
@@ -2490,8 +2492,8 @@
         </p:nvSpPr>
         <p:spPr>
           <a:xfrm>
-            <a:off x="838200" y="1825625"/>
-            <a:ext cx="10515600" cy="4351338"/>
+            <a:off x="628650" y="1825625"/>
+            <a:ext cx="7886700" cy="4351338"/>
           </a:xfrm>
           <a:prstGeom prst="rect">
             <a:avLst/>
@@ -2536,7 +2538,7 @@
               <a:rPr lang="en-US" smtClean="0"/>
               <a:t>Fifth level</a:t>
             </a:r>
-            <a:endParaRPr lang="en-US"/>
+            <a:endParaRPr lang="en-US" dirty="0"/>
           </a:p>
         </p:txBody>
       </p:sp>
@@ -2552,8 +2554,8 @@
         </p:nvSpPr>
         <p:spPr>
           <a:xfrm>
-            <a:off x="838200" y="6356350"/>
-            <a:ext cx="2743200" cy="365125"/>
+            <a:off x="628650" y="6356351"/>
+            <a:ext cx="2057400" cy="365125"/>
           </a:xfrm>
           <a:prstGeom prst="rect">
             <a:avLst/>
@@ -2575,7 +2577,7 @@
           <a:p>
             <a:fld id="{44608ED9-4F79-D548-8E8D-C5D319F6A783}" type="datetimeFigureOut">
               <a:rPr lang="en-US" smtClean="0"/>
-              <a:t>6/30/16</a:t>
+              <a:t>10/5/16</a:t>
             </a:fld>
             <a:endParaRPr lang="en-US"/>
           </a:p>
@@ -2593,8 +2595,8 @@
         </p:nvSpPr>
         <p:spPr>
           <a:xfrm>
-            <a:off x="4038600" y="6356350"/>
-            <a:ext cx="4114800" cy="365125"/>
+            <a:off x="3028950" y="6356351"/>
+            <a:ext cx="3086100" cy="365125"/>
           </a:xfrm>
           <a:prstGeom prst="rect">
             <a:avLst/>
@@ -2630,8 +2632,8 @@
         </p:nvSpPr>
         <p:spPr>
           <a:xfrm>
-            <a:off x="8610600" y="6356350"/>
-            <a:ext cx="2743200" cy="365125"/>
+            <a:off x="6457950" y="6356351"/>
+            <a:ext cx="2057400" cy="365125"/>
           </a:xfrm>
           <a:prstGeom prst="rect">
             <a:avLst/>
@@ -2662,23 +2664,23 @@
     </p:spTree>
     <p:extLst>
       <p:ext uri="{BB962C8B-B14F-4D97-AF65-F5344CB8AC3E}">
-        <p14:creationId xmlns:p14="http://schemas.microsoft.com/office/powerpoint/2010/main" val="1421564908"/>
+        <p14:creationId xmlns:p14="http://schemas.microsoft.com/office/powerpoint/2010/main" val="906902038"/>
       </p:ext>
     </p:extLst>
   </p:cSld>
   <p:clrMap bg1="lt1" tx1="dk1" bg2="lt2" tx2="dk2" accent1="accent1" accent2="accent2" accent3="accent3" accent4="accent4" accent5="accent5" accent6="accent6" hlink="hlink" folHlink="folHlink"/>
   <p:sldLayoutIdLst>
-    <p:sldLayoutId id="2147483649" r:id="rId1"/>
-    <p:sldLayoutId id="2147483650" r:id="rId2"/>
-    <p:sldLayoutId id="2147483651" r:id="rId3"/>
-    <p:sldLayoutId id="2147483652" r:id="rId4"/>
-    <p:sldLayoutId id="2147483653" r:id="rId5"/>
-    <p:sldLayoutId id="2147483654" r:id="rId6"/>
-    <p:sldLayoutId id="2147483655" r:id="rId7"/>
-    <p:sldLayoutId id="2147483656" r:id="rId8"/>
-    <p:sldLayoutId id="2147483657" r:id="rId9"/>
-    <p:sldLayoutId id="2147483658" r:id="rId10"/>
-    <p:sldLayoutId id="2147483659" r:id="rId11"/>
+    <p:sldLayoutId id="2147483661" r:id="rId1"/>
+    <p:sldLayoutId id="2147483662" r:id="rId2"/>
+    <p:sldLayoutId id="2147483663" r:id="rId3"/>
+    <p:sldLayoutId id="2147483664" r:id="rId4"/>
+    <p:sldLayoutId id="2147483665" r:id="rId5"/>
+    <p:sldLayoutId id="2147483666" r:id="rId6"/>
+    <p:sldLayoutId id="2147483667" r:id="rId7"/>
+    <p:sldLayoutId id="2147483668" r:id="rId8"/>
+    <p:sldLayoutId id="2147483669" r:id="rId9"/>
+    <p:sldLayoutId id="2147483670" r:id="rId10"/>
+    <p:sldLayoutId id="2147483671" r:id="rId11"/>
   </p:sldLayoutIdLst>
   <p:txStyles>
     <p:titleStyle>
@@ -2708,7 +2710,7 @@
         <a:spcBef>
           <a:spcPts val="1000"/>
         </a:spcBef>
-        <a:buFont typeface="Arial"/>
+        <a:buFont typeface="Arial" panose="020B0604020202020204" pitchFamily="34" charset="0"/>
         <a:buChar char="•"/>
         <a:defRPr sz="2800" kern="1200">
           <a:solidFill>
@@ -2726,7 +2728,7 @@
         <a:spcBef>
           <a:spcPts val="500"/>
         </a:spcBef>
-        <a:buFont typeface="Arial"/>
+        <a:buFont typeface="Arial" panose="020B0604020202020204" pitchFamily="34" charset="0"/>
         <a:buChar char="•"/>
         <a:defRPr sz="2400" kern="1200">
           <a:solidFill>
@@ -2744,7 +2746,7 @@
         <a:spcBef>
           <a:spcPts val="500"/>
         </a:spcBef>
-        <a:buFont typeface="Arial"/>
+        <a:buFont typeface="Arial" panose="020B0604020202020204" pitchFamily="34" charset="0"/>
         <a:buChar char="•"/>
         <a:defRPr sz="2000" kern="1200">
           <a:solidFill>
@@ -2762,7 +2764,7 @@
         <a:spcBef>
           <a:spcPts val="500"/>
         </a:spcBef>
-        <a:buFont typeface="Arial"/>
+        <a:buFont typeface="Arial" panose="020B0604020202020204" pitchFamily="34" charset="0"/>
         <a:buChar char="•"/>
         <a:defRPr sz="1800" kern="1200">
           <a:solidFill>
@@ -2780,7 +2782,7 @@
         <a:spcBef>
           <a:spcPts val="500"/>
         </a:spcBef>
-        <a:buFont typeface="Arial"/>
+        <a:buFont typeface="Arial" panose="020B0604020202020204" pitchFamily="34" charset="0"/>
         <a:buChar char="•"/>
         <a:defRPr sz="1800" kern="1200">
           <a:solidFill>
@@ -2798,7 +2800,7 @@
         <a:spcBef>
           <a:spcPts val="500"/>
         </a:spcBef>
-        <a:buFont typeface="Arial"/>
+        <a:buFont typeface="Arial" panose="020B0604020202020204" pitchFamily="34" charset="0"/>
         <a:buChar char="•"/>
         <a:defRPr sz="1800" kern="1200">
           <a:solidFill>
@@ -2816,7 +2818,7 @@
         <a:spcBef>
           <a:spcPts val="500"/>
         </a:spcBef>
-        <a:buFont typeface="Arial"/>
+        <a:buFont typeface="Arial" panose="020B0604020202020204" pitchFamily="34" charset="0"/>
         <a:buChar char="•"/>
         <a:defRPr sz="1800" kern="1200">
           <a:solidFill>
@@ -2834,7 +2836,7 @@
         <a:spcBef>
           <a:spcPts val="500"/>
         </a:spcBef>
-        <a:buFont typeface="Arial"/>
+        <a:buFont typeface="Arial" panose="020B0604020202020204" pitchFamily="34" charset="0"/>
         <a:buChar char="•"/>
         <a:defRPr sz="1800" kern="1200">
           <a:solidFill>
@@ -2852,7 +2854,7 @@
         <a:spcBef>
           <a:spcPts val="500"/>
         </a:spcBef>
-        <a:buFont typeface="Arial"/>
+        <a:buFont typeface="Arial" panose="020B0604020202020204" pitchFamily="34" charset="0"/>
         <a:buChar char="•"/>
         <a:defRPr sz="1800" kern="1200">
           <a:solidFill>
@@ -2988,8 +2990,8 @@
         </p:nvSpPr>
         <p:spPr>
           <a:xfrm>
-            <a:off x="723263" y="117846"/>
-            <a:ext cx="11296941" cy="2043104"/>
+            <a:off x="477095" y="882520"/>
+            <a:ext cx="8626265" cy="1380052"/>
           </a:xfrm>
           <a:prstGeom prst="roundRect">
             <a:avLst/>
@@ -3022,7 +3024,7 @@
           <a:lstStyle/>
           <a:p>
             <a:pPr algn="ctr"/>
-            <a:endParaRPr lang="en-US"/>
+            <a:endParaRPr lang="en-US" sz="503"/>
           </a:p>
         </p:txBody>
       </p:sp>
@@ -3034,8 +3036,8 @@
         </p:nvSpPr>
         <p:spPr>
           <a:xfrm>
-            <a:off x="715550" y="2233128"/>
-            <a:ext cx="11296941" cy="4265651"/>
+            <a:off x="477096" y="2333605"/>
+            <a:ext cx="8626264" cy="4319630"/>
           </a:xfrm>
           <a:prstGeom prst="roundRect">
             <a:avLst/>
@@ -3068,7 +3070,7 @@
           <a:lstStyle/>
           <a:p>
             <a:pPr algn="ctr"/>
-            <a:endParaRPr lang="en-US"/>
+            <a:endParaRPr lang="en-US" sz="503"/>
           </a:p>
         </p:txBody>
       </p:sp>
@@ -3080,8 +3082,8 @@
         </p:nvSpPr>
         <p:spPr>
           <a:xfrm rot="16200000">
-            <a:off x="-448454" y="932844"/>
-            <a:ext cx="1690210" cy="646331"/>
+            <a:off x="-756326" y="1405513"/>
+            <a:ext cx="2067327" cy="338554"/>
           </a:xfrm>
           <a:prstGeom prst="rect">
             <a:avLst/>
@@ -3096,14 +3098,14 @@
           <a:p>
             <a:pPr algn="ctr"/>
             <a:r>
-              <a:rPr lang="en-US" b="1" dirty="0" smtClean="0">
+              <a:rPr lang="en-US" sz="1600" dirty="0">
                 <a:latin typeface="Helvetica" charset="0"/>
                 <a:ea typeface="Helvetica" charset="0"/>
                 <a:cs typeface="Helvetica" charset="0"/>
               </a:rPr>
               <a:t>MANUAL STAGES</a:t>
             </a:r>
-            <a:endParaRPr lang="en-US" b="1" dirty="0">
+            <a:endParaRPr lang="en-US" sz="1600" dirty="0">
               <a:latin typeface="Helvetica" charset="0"/>
               <a:ea typeface="Helvetica" charset="0"/>
               <a:cs typeface="Helvetica" charset="0"/>
@@ -3119,8 +3121,8 @@
         </p:nvSpPr>
         <p:spPr>
           <a:xfrm rot="16200000">
-            <a:off x="-490425" y="4141235"/>
-            <a:ext cx="1774153" cy="646331"/>
+            <a:off x="-892043" y="3954551"/>
+            <a:ext cx="2338762" cy="338554"/>
           </a:xfrm>
           <a:prstGeom prst="rect">
             <a:avLst/>
@@ -3150,7 +3152,7 @@
           <a:p>
             <a:pPr algn="ctr"/>
             <a:r>
-              <a:rPr lang="en-US" b="1" dirty="0">
+              <a:rPr lang="en-US" sz="1600" dirty="0">
                 <a:ln>
                   <a:noFill/>
                 </a:ln>
@@ -3171,8 +3173,8 @@
         </p:nvSpPr>
         <p:spPr>
           <a:xfrm>
-            <a:off x="1087509" y="988448"/>
-            <a:ext cx="1719461" cy="457200"/>
+            <a:off x="825791" y="1015213"/>
+            <a:ext cx="1289596" cy="919401"/>
           </a:xfrm>
           <a:prstGeom prst="roundRect">
             <a:avLst/>
@@ -3192,14 +3194,14 @@
           <a:p>
             <a:pPr algn="ctr"/>
             <a:r>
-              <a:rPr lang="en-US" sz="1100" b="1" dirty="0" smtClean="0">
+              <a:rPr lang="en-US" sz="1600" dirty="0">
                 <a:latin typeface="Helvetica" charset="0"/>
                 <a:ea typeface="Helvetica" charset="0"/>
                 <a:cs typeface="Helvetica" charset="0"/>
               </a:rPr>
               <a:t>Define the Research Problem</a:t>
             </a:r>
-            <a:endParaRPr lang="en-US" sz="1100" b="1" dirty="0">
+            <a:endParaRPr lang="en-US" sz="1600" dirty="0">
               <a:latin typeface="Helvetica" charset="0"/>
               <a:ea typeface="Helvetica" charset="0"/>
               <a:cs typeface="Helvetica" charset="0"/>
@@ -3215,8 +3217,8 @@
         </p:nvSpPr>
         <p:spPr>
           <a:xfrm>
-            <a:off x="4090488" y="988448"/>
-            <a:ext cx="1719461" cy="457200"/>
+            <a:off x="3045547" y="1015214"/>
+            <a:ext cx="1442821" cy="919401"/>
           </a:xfrm>
           <a:prstGeom prst="roundRect">
             <a:avLst/>
@@ -3236,14 +3238,14 @@
           <a:p>
             <a:pPr algn="ctr"/>
             <a:r>
-              <a:rPr lang="en-US" sz="1100" b="1" dirty="0" smtClean="0">
+              <a:rPr lang="en-US" sz="1600" dirty="0">
                 <a:latin typeface="Helvetica" charset="0"/>
                 <a:ea typeface="Helvetica" charset="0"/>
                 <a:cs typeface="Helvetica" charset="0"/>
               </a:rPr>
               <a:t>Design the Research Plan</a:t>
             </a:r>
-            <a:endParaRPr lang="en-US" sz="1100" b="1" dirty="0">
+            <a:endParaRPr lang="en-US" sz="1600" dirty="0">
               <a:latin typeface="Helvetica" charset="0"/>
               <a:ea typeface="Helvetica" charset="0"/>
               <a:cs typeface="Helvetica" charset="0"/>
@@ -3259,8 +3261,8 @@
         </p:nvSpPr>
         <p:spPr>
           <a:xfrm>
-            <a:off x="7093467" y="988448"/>
-            <a:ext cx="1719461" cy="457200"/>
+            <a:off x="5330260" y="1151421"/>
+            <a:ext cx="1479366" cy="646986"/>
           </a:xfrm>
           <a:prstGeom prst="roundRect">
             <a:avLst/>
@@ -3280,14 +3282,14 @@
           <a:p>
             <a:pPr algn="ctr"/>
             <a:r>
-              <a:rPr lang="en-US" sz="1100" b="1" dirty="0" smtClean="0">
+              <a:rPr lang="en-US" sz="1600" dirty="0">
                 <a:latin typeface="Helvetica" charset="0"/>
                 <a:ea typeface="Helvetica" charset="0"/>
                 <a:cs typeface="Helvetica" charset="0"/>
               </a:rPr>
               <a:t>Review the Literature</a:t>
             </a:r>
-            <a:endParaRPr lang="en-US" sz="1100" b="1" dirty="0">
+            <a:endParaRPr lang="en-US" sz="1600" dirty="0">
               <a:latin typeface="Helvetica" charset="0"/>
               <a:ea typeface="Helvetica" charset="0"/>
               <a:cs typeface="Helvetica" charset="0"/>
@@ -3303,8 +3305,8 @@
         </p:nvSpPr>
         <p:spPr>
           <a:xfrm>
-            <a:off x="10096445" y="988448"/>
-            <a:ext cx="1719461" cy="457200"/>
+            <a:off x="7582494" y="1151422"/>
+            <a:ext cx="1289596" cy="646986"/>
           </a:xfrm>
           <a:prstGeom prst="roundRect">
             <a:avLst/>
@@ -3324,14 +3326,14 @@
           <a:p>
             <a:pPr algn="ctr"/>
             <a:r>
-              <a:rPr lang="en-US" sz="1100" b="1" dirty="0" smtClean="0">
+              <a:rPr lang="en-US" sz="1600" dirty="0">
                 <a:latin typeface="Helvetica" charset="0"/>
                 <a:ea typeface="Helvetica" charset="0"/>
                 <a:cs typeface="Helvetica" charset="0"/>
               </a:rPr>
               <a:t>Write the paper</a:t>
             </a:r>
-            <a:endParaRPr lang="en-US" sz="1100" b="1" dirty="0">
+            <a:endParaRPr lang="en-US" sz="1600" dirty="0">
               <a:latin typeface="Helvetica" charset="0"/>
               <a:ea typeface="Helvetica" charset="0"/>
               <a:cs typeface="Helvetica" charset="0"/>
@@ -3350,8 +3352,8 @@
         </p:nvCxnSpPr>
         <p:spPr>
           <a:xfrm>
-            <a:off x="2806970" y="1217048"/>
-            <a:ext cx="1283518" cy="0"/>
+            <a:off x="2115387" y="1474914"/>
+            <a:ext cx="930160" cy="1"/>
           </a:xfrm>
           <a:prstGeom prst="straightConnector1">
             <a:avLst/>
@@ -3389,9 +3391,9 @@
           <p:nvPr/>
         </p:nvCxnSpPr>
         <p:spPr>
-          <a:xfrm>
-            <a:off x="5809949" y="1217048"/>
-            <a:ext cx="1283518" cy="0"/>
+          <a:xfrm flipV="1">
+            <a:off x="4488368" y="1474914"/>
+            <a:ext cx="841892" cy="1"/>
           </a:xfrm>
           <a:prstGeom prst="straightConnector1">
             <a:avLst/>
@@ -3430,8 +3432,8 @@
         </p:nvCxnSpPr>
         <p:spPr>
           <a:xfrm>
-            <a:off x="8812928" y="1217048"/>
-            <a:ext cx="1283517" cy="0"/>
+            <a:off x="6809626" y="1474914"/>
+            <a:ext cx="772868" cy="1"/>
           </a:xfrm>
           <a:prstGeom prst="straightConnector1">
             <a:avLst/>
@@ -3467,8 +3469,8 @@
         </p:nvSpPr>
         <p:spPr>
           <a:xfrm>
-            <a:off x="921259" y="2594286"/>
-            <a:ext cx="1719461" cy="457200"/>
+            <a:off x="825791" y="2475596"/>
+            <a:ext cx="1218169" cy="578882"/>
           </a:xfrm>
           <a:prstGeom prst="roundRect">
             <a:avLst/>
@@ -3488,14 +3490,25 @@
           <a:p>
             <a:pPr algn="ctr"/>
             <a:r>
-              <a:rPr lang="en-US" sz="1100" b="1" dirty="0" smtClean="0">
+              <a:rPr lang="en-US" sz="1400" dirty="0" smtClean="0">
                 <a:latin typeface="Helvetica" charset="0"/>
                 <a:ea typeface="Helvetica" charset="0"/>
                 <a:cs typeface="Helvetica" charset="0"/>
               </a:rPr>
-              <a:t>Collect Data</a:t>
-            </a:r>
-            <a:endParaRPr lang="en-US" sz="1100" b="1" dirty="0">
+              <a:t>Collect</a:t>
+            </a:r>
+          </a:p>
+          <a:p>
+            <a:pPr algn="ctr"/>
+            <a:r>
+              <a:rPr lang="en-US" sz="1400" dirty="0" smtClean="0">
+                <a:latin typeface="Helvetica" charset="0"/>
+                <a:ea typeface="Helvetica" charset="0"/>
+                <a:cs typeface="Helvetica" charset="0"/>
+              </a:rPr>
+              <a:t>Data</a:t>
+            </a:r>
+            <a:endParaRPr lang="en-US" sz="1400" dirty="0">
               <a:latin typeface="Helvetica" charset="0"/>
               <a:ea typeface="Helvetica" charset="0"/>
               <a:cs typeface="Helvetica" charset="0"/>
@@ -3511,8 +3524,8 @@
         </p:nvSpPr>
         <p:spPr>
           <a:xfrm>
-            <a:off x="8348463" y="9237919"/>
-            <a:ext cx="1719461" cy="289441"/>
+            <a:off x="6261348" y="8630170"/>
+            <a:ext cx="1289596" cy="242620"/>
           </a:xfrm>
           <a:prstGeom prst="roundRect">
             <a:avLst/>
@@ -3536,14 +3549,14 @@
           <a:p>
             <a:pPr algn="ctr"/>
             <a:r>
-              <a:rPr lang="en-US" sz="1100" b="1" smtClean="0">
+              <a:rPr lang="en-US" sz="825">
                 <a:latin typeface="Helvetica" charset="0"/>
                 <a:ea typeface="Helvetica" charset="0"/>
                 <a:cs typeface="Helvetica" charset="0"/>
               </a:rPr>
               <a:t>DATA COMPILATION</a:t>
             </a:r>
-            <a:endParaRPr lang="en-US" sz="1100" b="1" dirty="0">
+            <a:endParaRPr lang="en-US" sz="825" dirty="0">
               <a:latin typeface="Helvetica" charset="0"/>
               <a:ea typeface="Helvetica" charset="0"/>
               <a:cs typeface="Helvetica" charset="0"/>
@@ -3559,8 +3572,8 @@
         </p:nvSpPr>
         <p:spPr>
           <a:xfrm>
-            <a:off x="2756296" y="2594286"/>
-            <a:ext cx="1719461" cy="457200"/>
+            <a:off x="2138333" y="2475593"/>
+            <a:ext cx="1195897" cy="578882"/>
           </a:xfrm>
           <a:prstGeom prst="roundRect">
             <a:avLst/>
@@ -3580,14 +3593,14 @@
           <a:p>
             <a:pPr algn="ctr"/>
             <a:r>
-              <a:rPr lang="en-US" sz="1100" b="1" dirty="0" smtClean="0">
+              <a:rPr lang="en-US" sz="1400" dirty="0">
                 <a:latin typeface="Helvetica" charset="0"/>
                 <a:ea typeface="Helvetica" charset="0"/>
                 <a:cs typeface="Helvetica" charset="0"/>
               </a:rPr>
               <a:t>Organize References</a:t>
             </a:r>
-            <a:endParaRPr lang="en-US" sz="1100" b="1" dirty="0">
+            <a:endParaRPr lang="en-US" sz="1400" dirty="0">
               <a:latin typeface="Helvetica" charset="0"/>
               <a:ea typeface="Helvetica" charset="0"/>
               <a:cs typeface="Helvetica" charset="0"/>
@@ -3603,8 +3616,8 @@
         </p:nvSpPr>
         <p:spPr>
           <a:xfrm>
-            <a:off x="4591333" y="2594286"/>
-            <a:ext cx="1719461" cy="457200"/>
+            <a:off x="3414745" y="2473125"/>
+            <a:ext cx="1391532" cy="817245"/>
           </a:xfrm>
           <a:prstGeom prst="roundRect">
             <a:avLst/>
@@ -3624,14 +3637,38 @@
           <a:p>
             <a:pPr algn="ctr"/>
             <a:r>
-              <a:rPr lang="en-US" sz="1100" b="1" dirty="0" smtClean="0">
+              <a:rPr lang="en-US" sz="1400" dirty="0">
                 <a:latin typeface="Helvetica" charset="0"/>
                 <a:ea typeface="Helvetica" charset="0"/>
                 <a:cs typeface="Helvetica" charset="0"/>
               </a:rPr>
-              <a:t>Update Computations and plots</a:t>
-            </a:r>
-            <a:endParaRPr lang="en-US" sz="1100" b="1" dirty="0">
+              <a:t>Update </a:t>
+            </a:r>
+            <a:r>
+              <a:rPr lang="en-US" sz="1400" dirty="0" err="1" smtClean="0">
+                <a:latin typeface="Helvetica" charset="0"/>
+                <a:ea typeface="Helvetica" charset="0"/>
+                <a:cs typeface="Helvetica" charset="0"/>
+              </a:rPr>
+              <a:t>Computationand</a:t>
+            </a:r>
+            <a:r>
+              <a:rPr lang="en-US" sz="1400" dirty="0" smtClean="0">
+                <a:latin typeface="Helvetica" charset="0"/>
+                <a:ea typeface="Helvetica" charset="0"/>
+                <a:cs typeface="Helvetica" charset="0"/>
+              </a:rPr>
+              <a:t> </a:t>
+            </a:r>
+            <a:r>
+              <a:rPr lang="en-US" sz="1400" dirty="0">
+                <a:latin typeface="Helvetica" charset="0"/>
+                <a:ea typeface="Helvetica" charset="0"/>
+                <a:cs typeface="Helvetica" charset="0"/>
+              </a:rPr>
+              <a:t>plots</a:t>
+            </a:r>
+            <a:endParaRPr lang="en-US" sz="1400" dirty="0">
               <a:latin typeface="Helvetica" charset="0"/>
               <a:ea typeface="Helvetica" charset="0"/>
               <a:cs typeface="Helvetica" charset="0"/>
@@ -3647,8 +3684,8 @@
         </p:nvSpPr>
         <p:spPr>
           <a:xfrm>
-            <a:off x="6426370" y="2594286"/>
-            <a:ext cx="1719461" cy="457200"/>
+            <a:off x="4891236" y="2478517"/>
+            <a:ext cx="1289596" cy="817245"/>
           </a:xfrm>
           <a:prstGeom prst="roundRect">
             <a:avLst/>
@@ -3668,7 +3705,7 @@
           <a:p>
             <a:pPr algn="ctr"/>
             <a:r>
-              <a:rPr lang="en-US" sz="1100" b="1" dirty="0" smtClean="0">
+              <a:rPr lang="en-US" sz="1400" dirty="0">
                 <a:latin typeface="Helvetica" charset="0"/>
                 <a:ea typeface="Helvetica" charset="0"/>
                 <a:cs typeface="Helvetica" charset="0"/>
@@ -3676,14 +3713,14 @@
               <a:t>Produce and </a:t>
             </a:r>
             <a:r>
-              <a:rPr lang="en-US" sz="1100" b="1" smtClean="0">
+              <a:rPr lang="en-US" sz="1400">
                 <a:latin typeface="Helvetica" charset="0"/>
                 <a:ea typeface="Helvetica" charset="0"/>
                 <a:cs typeface="Helvetica" charset="0"/>
               </a:rPr>
               <a:t>Update paper</a:t>
             </a:r>
-            <a:endParaRPr lang="en-US" sz="1100" b="1" dirty="0">
+            <a:endParaRPr lang="en-US" sz="1400" dirty="0">
               <a:latin typeface="Helvetica" charset="0"/>
               <a:ea typeface="Helvetica" charset="0"/>
               <a:cs typeface="Helvetica" charset="0"/>
@@ -3699,8 +3736,8 @@
         </p:nvSpPr>
         <p:spPr>
           <a:xfrm>
-            <a:off x="8261407" y="2594286"/>
-            <a:ext cx="1719461" cy="457200"/>
+            <a:off x="6271507" y="2475593"/>
+            <a:ext cx="1289596" cy="578882"/>
           </a:xfrm>
           <a:prstGeom prst="roundRect">
             <a:avLst/>
@@ -3720,22 +3757,14 @@
           <a:p>
             <a:pPr algn="ctr"/>
             <a:r>
-              <a:rPr lang="en-US" sz="1100" b="1" smtClean="0">
+              <a:rPr lang="en-US" sz="1400" dirty="0">
                 <a:latin typeface="Helvetica" charset="0"/>
                 <a:ea typeface="Helvetica" charset="0"/>
                 <a:cs typeface="Helvetica" charset="0"/>
               </a:rPr>
-              <a:t>Organize </a:t>
-            </a:r>
-            <a:r>
-              <a:rPr lang="en-US" sz="1100" b="1" dirty="0" smtClean="0">
-                <a:latin typeface="Helvetica" charset="0"/>
-                <a:ea typeface="Helvetica" charset="0"/>
-                <a:cs typeface="Helvetica" charset="0"/>
-              </a:rPr>
-              <a:t>archive</a:t>
-            </a:r>
-            <a:endParaRPr lang="en-US" sz="1100" b="1" dirty="0">
+              <a:t>Organize archive</a:t>
+            </a:r>
+            <a:endParaRPr lang="en-US" sz="1400" dirty="0">
               <a:latin typeface="Helvetica" charset="0"/>
               <a:ea typeface="Helvetica" charset="0"/>
               <a:cs typeface="Helvetica" charset="0"/>
@@ -3751,8 +3780,8 @@
         </p:nvSpPr>
         <p:spPr>
           <a:xfrm>
-            <a:off x="10096445" y="2594286"/>
-            <a:ext cx="1719461" cy="457200"/>
+            <a:off x="7703579" y="2478517"/>
+            <a:ext cx="1121847" cy="1055608"/>
           </a:xfrm>
           <a:prstGeom prst="roundRect">
             <a:avLst/>
@@ -3782,7 +3811,7 @@
           </a:lstStyle>
           <a:p>
             <a:r>
-              <a:rPr lang="en-US" dirty="0"/>
+              <a:rPr lang="en-US" sz="1400" b="0" dirty="0"/>
               <a:t>Provide external user interface</a:t>
             </a:r>
           </a:p>
@@ -3799,12 +3828,12 @@
         </p:nvCxnSpPr>
         <p:spPr>
           <a:xfrm rot="5400000">
-            <a:off x="2791286" y="435353"/>
-            <a:ext cx="1148638" cy="3169229"/>
+            <a:off x="2330427" y="1039064"/>
+            <a:ext cx="540981" cy="2332082"/>
           </a:xfrm>
           <a:prstGeom prst="bentConnector3">
             <a:avLst>
-              <a:gd name="adj1" fmla="val 25394"/>
+              <a:gd name="adj1" fmla="val 14316"/>
             </a:avLst>
           </a:prstGeom>
           <a:ln w="28575">
@@ -3841,12 +3870,12 @@
         </p:nvCxnSpPr>
         <p:spPr>
           <a:xfrm rot="5400000">
-            <a:off x="5210294" y="-148618"/>
-            <a:ext cx="1148638" cy="4337171"/>
+            <a:off x="4064520" y="470170"/>
+            <a:ext cx="677186" cy="3333661"/>
           </a:xfrm>
           <a:prstGeom prst="bentConnector3">
             <a:avLst>
-              <a:gd name="adj1" fmla="val 42680"/>
+              <a:gd name="adj1" fmla="val 43998"/>
             </a:avLst>
           </a:prstGeom>
           <a:ln w="28575">
@@ -3883,12 +3912,12 @@
         </p:nvCxnSpPr>
         <p:spPr>
           <a:xfrm rot="5400000">
-            <a:off x="8546820" y="184930"/>
-            <a:ext cx="1148638" cy="3670075"/>
+            <a:off x="6541609" y="792833"/>
+            <a:ext cx="680109" cy="2691258"/>
           </a:xfrm>
           <a:prstGeom prst="bentConnector3">
             <a:avLst>
-              <a:gd name="adj1" fmla="val 55490"/>
+              <a:gd name="adj1" fmla="val 57469"/>
             </a:avLst>
           </a:prstGeom>
           <a:ln w="28575">
@@ -3914,211 +3943,42 @@
           </a:fontRef>
         </p:style>
       </p:cxnSp>
-      <p:grpSp>
-        <p:nvGrpSpPr>
-          <p:cNvPr id="125" name="Group 124"/>
-          <p:cNvGrpSpPr/>
-          <p:nvPr/>
-        </p:nvGrpSpPr>
-        <p:grpSpPr>
-          <a:xfrm>
-            <a:off x="2698508" y="2477193"/>
-            <a:ext cx="7340148" cy="4106486"/>
-            <a:chOff x="2698508" y="2477193"/>
-            <a:chExt cx="7340148" cy="3258589"/>
-          </a:xfrm>
-        </p:grpSpPr>
-        <p:cxnSp>
-          <p:nvCxnSpPr>
-            <p:cNvPr id="71" name="Straight Connector 70"/>
-            <p:cNvCxnSpPr/>
-            <p:nvPr/>
-          </p:nvCxnSpPr>
-          <p:spPr>
-            <a:xfrm>
-              <a:off x="2698508" y="2477193"/>
-              <a:ext cx="0" cy="3258589"/>
-            </a:xfrm>
-            <a:prstGeom prst="line">
-              <a:avLst/>
-            </a:prstGeom>
-            <a:ln>
-              <a:solidFill>
-                <a:schemeClr val="bg1">
-                  <a:lumMod val="50000"/>
-                </a:schemeClr>
-              </a:solidFill>
-              <a:prstDash val="dash"/>
-            </a:ln>
-          </p:spPr>
-          <p:style>
-            <a:lnRef idx="1">
-              <a:schemeClr val="accent1"/>
-            </a:lnRef>
-            <a:fillRef idx="0">
-              <a:schemeClr val="accent1"/>
-            </a:fillRef>
-            <a:effectRef idx="0">
-              <a:schemeClr val="accent1"/>
-            </a:effectRef>
-            <a:fontRef idx="minor">
+      <p:cxnSp>
+        <p:nvCxnSpPr>
+          <p:cNvPr id="75" name="Straight Connector 74"/>
+          <p:cNvCxnSpPr/>
+          <p:nvPr/>
+        </p:nvCxnSpPr>
+        <p:spPr>
+          <a:xfrm>
+            <a:off x="7625237" y="2455268"/>
+            <a:ext cx="0" cy="4141660"/>
+          </a:xfrm>
+          <a:prstGeom prst="line">
+            <a:avLst/>
+          </a:prstGeom>
+          <a:ln>
+            <a:solidFill>
               <a:schemeClr val="tx1"/>
-            </a:fontRef>
-          </p:style>
-        </p:cxnSp>
-        <p:cxnSp>
-          <p:nvCxnSpPr>
-            <p:cNvPr id="72" name="Straight Connector 71"/>
-            <p:cNvCxnSpPr/>
-            <p:nvPr/>
-          </p:nvCxnSpPr>
-          <p:spPr>
-            <a:xfrm>
-              <a:off x="4533545" y="2477193"/>
-              <a:ext cx="0" cy="3258589"/>
-            </a:xfrm>
-            <a:prstGeom prst="line">
-              <a:avLst/>
-            </a:prstGeom>
-            <a:ln>
-              <a:solidFill>
-                <a:schemeClr val="bg1">
-                  <a:lumMod val="50000"/>
-                </a:schemeClr>
-              </a:solidFill>
-              <a:prstDash val="dash"/>
-            </a:ln>
-          </p:spPr>
-          <p:style>
-            <a:lnRef idx="1">
-              <a:schemeClr val="accent1"/>
-            </a:lnRef>
-            <a:fillRef idx="0">
-              <a:schemeClr val="accent1"/>
-            </a:fillRef>
-            <a:effectRef idx="0">
-              <a:schemeClr val="accent1"/>
-            </a:effectRef>
-            <a:fontRef idx="minor">
-              <a:schemeClr val="tx1"/>
-            </a:fontRef>
-          </p:style>
-        </p:cxnSp>
-        <p:cxnSp>
-          <p:nvCxnSpPr>
-            <p:cNvPr id="73" name="Straight Connector 72"/>
-            <p:cNvCxnSpPr/>
-            <p:nvPr/>
-          </p:nvCxnSpPr>
-          <p:spPr>
-            <a:xfrm>
-              <a:off x="6368582" y="2477193"/>
-              <a:ext cx="0" cy="3258589"/>
-            </a:xfrm>
-            <a:prstGeom prst="line">
-              <a:avLst/>
-            </a:prstGeom>
-            <a:ln>
-              <a:solidFill>
-                <a:schemeClr val="bg1">
-                  <a:lumMod val="50000"/>
-                </a:schemeClr>
-              </a:solidFill>
-              <a:prstDash val="dash"/>
-            </a:ln>
-          </p:spPr>
-          <p:style>
-            <a:lnRef idx="1">
-              <a:schemeClr val="accent1"/>
-            </a:lnRef>
-            <a:fillRef idx="0">
-              <a:schemeClr val="accent1"/>
-            </a:fillRef>
-            <a:effectRef idx="0">
-              <a:schemeClr val="accent1"/>
-            </a:effectRef>
-            <a:fontRef idx="minor">
-              <a:schemeClr val="tx1"/>
-            </a:fontRef>
-          </p:style>
-        </p:cxnSp>
-        <p:cxnSp>
-          <p:nvCxnSpPr>
-            <p:cNvPr id="74" name="Straight Connector 73"/>
-            <p:cNvCxnSpPr/>
-            <p:nvPr/>
-          </p:nvCxnSpPr>
-          <p:spPr>
-            <a:xfrm>
-              <a:off x="8203619" y="2477193"/>
-              <a:ext cx="0" cy="3258589"/>
-            </a:xfrm>
-            <a:prstGeom prst="line">
-              <a:avLst/>
-            </a:prstGeom>
-            <a:ln>
-              <a:solidFill>
-                <a:schemeClr val="bg1">
-                  <a:lumMod val="50000"/>
-                </a:schemeClr>
-              </a:solidFill>
-              <a:prstDash val="dash"/>
-            </a:ln>
-          </p:spPr>
-          <p:style>
-            <a:lnRef idx="1">
-              <a:schemeClr val="accent1"/>
-            </a:lnRef>
-            <a:fillRef idx="0">
-              <a:schemeClr val="accent1"/>
-            </a:fillRef>
-            <a:effectRef idx="0">
-              <a:schemeClr val="accent1"/>
-            </a:effectRef>
-            <a:fontRef idx="minor">
-              <a:schemeClr val="tx1"/>
-            </a:fontRef>
-          </p:style>
-        </p:cxnSp>
-        <p:cxnSp>
-          <p:nvCxnSpPr>
-            <p:cNvPr id="75" name="Straight Connector 74"/>
-            <p:cNvCxnSpPr/>
-            <p:nvPr/>
-          </p:nvCxnSpPr>
-          <p:spPr>
-            <a:xfrm>
-              <a:off x="10038656" y="2477193"/>
-              <a:ext cx="0" cy="3258589"/>
-            </a:xfrm>
-            <a:prstGeom prst="line">
-              <a:avLst/>
-            </a:prstGeom>
-            <a:ln>
-              <a:solidFill>
-                <a:schemeClr val="bg1">
-                  <a:lumMod val="50000"/>
-                </a:schemeClr>
-              </a:solidFill>
-              <a:prstDash val="dash"/>
-            </a:ln>
-          </p:spPr>
-          <p:style>
-            <a:lnRef idx="1">
-              <a:schemeClr val="accent1"/>
-            </a:lnRef>
-            <a:fillRef idx="0">
-              <a:schemeClr val="accent1"/>
-            </a:fillRef>
-            <a:effectRef idx="0">
-              <a:schemeClr val="accent1"/>
-            </a:effectRef>
-            <a:fontRef idx="minor">
-              <a:schemeClr val="tx1"/>
-            </a:fontRef>
-          </p:style>
-        </p:cxnSp>
-      </p:grpSp>
+            </a:solidFill>
+            <a:prstDash val="dash"/>
+          </a:ln>
+        </p:spPr>
+        <p:style>
+          <a:lnRef idx="1">
+            <a:schemeClr val="accent1"/>
+          </a:lnRef>
+          <a:fillRef idx="0">
+            <a:schemeClr val="accent1"/>
+          </a:fillRef>
+          <a:effectRef idx="0">
+            <a:schemeClr val="accent1"/>
+          </a:effectRef>
+          <a:fontRef idx="minor">
+            <a:schemeClr val="tx1"/>
+          </a:fontRef>
+        </p:style>
+      </p:cxnSp>
       <p:sp>
         <p:nvSpPr>
           <p:cNvPr id="78" name="TextBox 77"/>
@@ -4127,8 +3987,8 @@
         </p:nvSpPr>
         <p:spPr>
           <a:xfrm>
-            <a:off x="770712" y="4396248"/>
-            <a:ext cx="923544" cy="476726"/>
+            <a:off x="607601" y="3940699"/>
+            <a:ext cx="864396" cy="578882"/>
           </a:xfrm>
           <a:prstGeom prst="roundRect">
             <a:avLst/>
@@ -4150,14 +4010,22 @@
           <a:p>
             <a:pPr algn="ctr"/>
             <a:r>
-              <a:rPr lang="en-US" sz="1100" b="1" dirty="0" smtClean="0">
+              <a:rPr lang="en-US" sz="1400" dirty="0">
                 <a:latin typeface="Helvetica" charset="0"/>
                 <a:ea typeface="Helvetica" charset="0"/>
                 <a:cs typeface="Helvetica" charset="0"/>
               </a:rPr>
-              <a:t>Shared Data sets</a:t>
-            </a:r>
-            <a:endParaRPr lang="en-US" sz="1100" b="1" dirty="0">
+              <a:t>Shared </a:t>
+            </a:r>
+            <a:r>
+              <a:rPr lang="en-US" sz="1400" dirty="0" smtClean="0">
+                <a:latin typeface="Helvetica" charset="0"/>
+                <a:ea typeface="Helvetica" charset="0"/>
+                <a:cs typeface="Helvetica" charset="0"/>
+              </a:rPr>
+              <a:t>Data</a:t>
+            </a:r>
+            <a:endParaRPr lang="en-US" sz="1400" dirty="0">
               <a:latin typeface="Helvetica" charset="0"/>
               <a:ea typeface="Helvetica" charset="0"/>
               <a:cs typeface="Helvetica" charset="0"/>
@@ -4173,8 +4041,8 @@
         </p:nvSpPr>
         <p:spPr>
           <a:xfrm>
-            <a:off x="1731114" y="4397024"/>
-            <a:ext cx="923544" cy="476726"/>
+            <a:off x="1011408" y="4576021"/>
+            <a:ext cx="1031454" cy="578882"/>
           </a:xfrm>
           <a:prstGeom prst="roundRect">
             <a:avLst/>
@@ -4196,7 +4064,7 @@
           <a:p>
             <a:pPr algn="ctr"/>
             <a:r>
-              <a:rPr lang="en-US" sz="1100" b="1" smtClean="0">
+              <a:rPr lang="en-US" sz="1400">
                 <a:latin typeface="Helvetica" charset="0"/>
                 <a:ea typeface="Helvetica" charset="0"/>
                 <a:cs typeface="Helvetica" charset="0"/>
@@ -4204,14 +4072,14 @@
               <a:t>Scraped </a:t>
             </a:r>
             <a:r>
-              <a:rPr lang="en-US" sz="1100" b="1" dirty="0" smtClean="0">
+              <a:rPr lang="en-US" sz="1400" smtClean="0">
                 <a:latin typeface="Helvetica" charset="0"/>
                 <a:ea typeface="Helvetica" charset="0"/>
                 <a:cs typeface="Helvetica" charset="0"/>
               </a:rPr>
-              <a:t>Data sets</a:t>
-            </a:r>
-            <a:endParaRPr lang="en-US" sz="1100" b="1" dirty="0">
+              <a:t>Data</a:t>
+            </a:r>
+            <a:endParaRPr lang="en-US" sz="1400" dirty="0">
               <a:latin typeface="Helvetica" charset="0"/>
               <a:ea typeface="Helvetica" charset="0"/>
               <a:cs typeface="Helvetica" charset="0"/>
@@ -4227,8 +4095,8 @@
         </p:nvSpPr>
         <p:spPr>
           <a:xfrm>
-            <a:off x="1735247" y="5895678"/>
-            <a:ext cx="927151" cy="365760"/>
+            <a:off x="1182858" y="6018046"/>
+            <a:ext cx="695364" cy="578882"/>
           </a:xfrm>
           <a:prstGeom prst="roundRect">
             <a:avLst/>
@@ -4250,14 +4118,14 @@
           <a:p>
             <a:pPr algn="ctr"/>
             <a:r>
-              <a:rPr lang="en-US" sz="1100" b="1" dirty="0" smtClean="0">
+              <a:rPr lang="en-US" sz="1400" dirty="0">
                 <a:latin typeface="Helvetica" charset="0"/>
                 <a:ea typeface="Helvetica" charset="0"/>
                 <a:cs typeface="Helvetica" charset="0"/>
               </a:rPr>
               <a:t>Web Data</a:t>
             </a:r>
-            <a:endParaRPr lang="en-US" sz="1100" b="1" dirty="0">
+            <a:endParaRPr lang="en-US" sz="1400" dirty="0">
               <a:latin typeface="Helvetica" charset="0"/>
               <a:ea typeface="Helvetica" charset="0"/>
               <a:cs typeface="Helvetica" charset="0"/>
@@ -4273,8 +4141,8 @@
         </p:nvSpPr>
         <p:spPr>
           <a:xfrm>
-            <a:off x="1735247" y="5118610"/>
-            <a:ext cx="927151" cy="476726"/>
+            <a:off x="1011407" y="5286936"/>
+            <a:ext cx="1038270" cy="578882"/>
           </a:xfrm>
           <a:prstGeom prst="roundRect">
             <a:avLst/>
@@ -4296,14 +4164,14 @@
           <a:p>
             <a:pPr algn="ctr"/>
             <a:r>
-              <a:rPr lang="en-US" sz="1100" b="1" dirty="0" smtClean="0">
+              <a:rPr lang="en-US" sz="1400" dirty="0">
                 <a:latin typeface="Helvetica" charset="0"/>
                 <a:ea typeface="Helvetica" charset="0"/>
                 <a:cs typeface="Helvetica" charset="0"/>
               </a:rPr>
               <a:t>Python Program</a:t>
             </a:r>
-            <a:endParaRPr lang="en-US" sz="1100" b="1" dirty="0">
+            <a:endParaRPr lang="en-US" sz="1400" dirty="0">
               <a:latin typeface="Helvetica" charset="0"/>
               <a:ea typeface="Helvetica" charset="0"/>
               <a:cs typeface="Helvetica" charset="0"/>
@@ -4321,9 +4189,9 @@
           <p:nvPr/>
         </p:nvCxnSpPr>
         <p:spPr>
-          <a:xfrm>
-            <a:off x="2198823" y="5595336"/>
-            <a:ext cx="0" cy="300342"/>
+          <a:xfrm flipH="1">
+            <a:off x="1530540" y="5865818"/>
+            <a:ext cx="2" cy="152228"/>
           </a:xfrm>
           <a:prstGeom prst="straightConnector1">
             <a:avLst/>
@@ -4362,8 +4230,8 @@
         </p:nvCxnSpPr>
         <p:spPr>
           <a:xfrm flipH="1" flipV="1">
-            <a:off x="2192886" y="4873750"/>
-            <a:ext cx="5937" cy="244860"/>
+            <a:off x="1527135" y="5154903"/>
+            <a:ext cx="3407" cy="132033"/>
           </a:xfrm>
           <a:prstGeom prst="straightConnector1">
             <a:avLst/>
@@ -4399,8 +4267,8 @@
         </p:nvSpPr>
         <p:spPr>
           <a:xfrm>
-            <a:off x="1249110" y="3448251"/>
-            <a:ext cx="914400" cy="365760"/>
+            <a:off x="825790" y="3148478"/>
+            <a:ext cx="1201601" cy="578882"/>
           </a:xfrm>
           <a:prstGeom prst="roundRect">
             <a:avLst/>
@@ -4422,14 +4290,14 @@
           <a:p>
             <a:pPr algn="ctr"/>
             <a:r>
-              <a:rPr lang="en-US" sz="1100" b="1" dirty="0" smtClean="0">
+              <a:rPr lang="en-US" sz="1400" dirty="0">
                 <a:latin typeface="Helvetica" charset="0"/>
                 <a:ea typeface="Helvetica" charset="0"/>
                 <a:cs typeface="Helvetica" charset="0"/>
               </a:rPr>
               <a:t>Integrated Data Set</a:t>
             </a:r>
-            <a:endParaRPr lang="en-US" sz="1100" b="1" dirty="0">
+            <a:endParaRPr lang="en-US" sz="1400" dirty="0">
               <a:latin typeface="Helvetica" charset="0"/>
               <a:ea typeface="Helvetica" charset="0"/>
               <a:cs typeface="Helvetica" charset="0"/>
@@ -4440,17 +4308,20 @@
       <p:cxnSp>
         <p:nvCxnSpPr>
           <p:cNvPr id="100" name="Elbow Connector 99"/>
-          <p:cNvCxnSpPr/>
+          <p:cNvCxnSpPr>
+            <a:stCxn id="79" idx="0"/>
+            <a:endCxn id="88" idx="2"/>
+          </p:cNvCxnSpPr>
           <p:nvPr/>
         </p:nvCxnSpPr>
         <p:spPr>
           <a:xfrm rot="16200000" flipV="1">
-            <a:off x="1940319" y="3947678"/>
-            <a:ext cx="766345" cy="206758"/>
+            <a:off x="1052533" y="4101419"/>
+            <a:ext cx="848661" cy="100544"/>
           </a:xfrm>
           <a:prstGeom prst="bentConnector3">
             <a:avLst>
-              <a:gd name="adj1" fmla="val 99897"/>
+              <a:gd name="adj1" fmla="val 82324"/>
             </a:avLst>
           </a:prstGeom>
           <a:ln>
@@ -4479,17 +4350,20 @@
       <p:cxnSp>
         <p:nvCxnSpPr>
           <p:cNvPr id="114" name="Elbow Connector 113"/>
-          <p:cNvCxnSpPr/>
+          <p:cNvCxnSpPr>
+            <a:stCxn id="78" idx="0"/>
+            <a:endCxn id="88" idx="2"/>
+          </p:cNvCxnSpPr>
           <p:nvPr/>
         </p:nvCxnSpPr>
         <p:spPr>
           <a:xfrm rot="5400000" flipH="1" flipV="1">
-            <a:off x="730120" y="3966407"/>
-            <a:ext cx="766345" cy="206758"/>
+            <a:off x="1126526" y="3640634"/>
+            <a:ext cx="213339" cy="386792"/>
           </a:xfrm>
           <a:prstGeom prst="bentConnector3">
             <a:avLst>
-              <a:gd name="adj1" fmla="val 99897"/>
+              <a:gd name="adj1" fmla="val 30950"/>
             </a:avLst>
           </a:prstGeom>
           <a:ln>
@@ -4523,8 +4397,8 @@
         </p:nvSpPr>
         <p:spPr>
           <a:xfrm>
-            <a:off x="8625292" y="5729229"/>
-            <a:ext cx="914400" cy="476726"/>
+            <a:off x="6392642" y="5326625"/>
+            <a:ext cx="1060023" cy="578882"/>
           </a:xfrm>
           <a:prstGeom prst="roundRect">
             <a:avLst/>
@@ -4546,7 +4420,7 @@
           <a:p>
             <a:pPr algn="ctr"/>
             <a:r>
-              <a:rPr lang="en-US" sz="1100" b="1" dirty="0" err="1" smtClean="0">
+              <a:rPr lang="en-US" sz="1400" dirty="0" err="1">
                 <a:latin typeface="Helvetica" charset="0"/>
                 <a:ea typeface="Helvetica" charset="0"/>
                 <a:cs typeface="Helvetica" charset="0"/>
@@ -4554,14 +4428,14 @@
               <a:t>GitHub</a:t>
             </a:r>
             <a:r>
-              <a:rPr lang="en-US" sz="1100" b="1" dirty="0" smtClean="0">
+              <a:rPr lang="en-US" sz="1400" dirty="0">
                 <a:latin typeface="Helvetica" charset="0"/>
                 <a:ea typeface="Helvetica" charset="0"/>
                 <a:cs typeface="Helvetica" charset="0"/>
               </a:rPr>
               <a:t> Repo</a:t>
             </a:r>
-            <a:endParaRPr lang="en-US" sz="1100" b="1" dirty="0">
+            <a:endParaRPr lang="en-US" sz="1400" dirty="0">
               <a:latin typeface="Helvetica" charset="0"/>
               <a:ea typeface="Helvetica" charset="0"/>
               <a:cs typeface="Helvetica" charset="0"/>
@@ -4577,8 +4451,8 @@
         </p:nvSpPr>
         <p:spPr>
           <a:xfrm>
-            <a:off x="8625292" y="3899983"/>
-            <a:ext cx="914400" cy="365760"/>
+            <a:off x="6387826" y="3614479"/>
+            <a:ext cx="1060023" cy="578882"/>
           </a:xfrm>
           <a:prstGeom prst="roundRect">
             <a:avLst/>
@@ -4600,14 +4474,14 @@
           <a:p>
             <a:pPr algn="ctr"/>
             <a:r>
-              <a:rPr lang="en-US" sz="1100" b="1" dirty="0" smtClean="0">
+              <a:rPr lang="en-US" sz="1400" dirty="0">
                 <a:latin typeface="Helvetica" charset="0"/>
                 <a:ea typeface="Helvetica" charset="0"/>
                 <a:cs typeface="Helvetica" charset="0"/>
               </a:rPr>
               <a:t>Local Folder</a:t>
             </a:r>
-            <a:endParaRPr lang="en-US" sz="1100" b="1" dirty="0">
+            <a:endParaRPr lang="en-US" sz="1400" dirty="0">
               <a:latin typeface="Helvetica" charset="0"/>
               <a:ea typeface="Helvetica" charset="0"/>
               <a:cs typeface="Helvetica" charset="0"/>
@@ -4623,8 +4497,8 @@
         </p:nvSpPr>
         <p:spPr>
           <a:xfrm>
-            <a:off x="8625292" y="4724177"/>
-            <a:ext cx="914400" cy="476726"/>
+            <a:off x="6392840" y="4514347"/>
+            <a:ext cx="1060023" cy="578882"/>
           </a:xfrm>
           <a:prstGeom prst="roundRect">
             <a:avLst/>
@@ -4646,7 +4520,7 @@
           <a:p>
             <a:pPr algn="ctr"/>
             <a:r>
-              <a:rPr lang="en-US" sz="1100" b="1" dirty="0" err="1" smtClean="0">
+              <a:rPr lang="en-US" sz="1400" dirty="0" err="1">
                 <a:latin typeface="Helvetica" charset="0"/>
                 <a:ea typeface="Helvetica" charset="0"/>
                 <a:cs typeface="Helvetica" charset="0"/>
@@ -4654,14 +4528,14 @@
               <a:t>GitHub</a:t>
             </a:r>
             <a:r>
-              <a:rPr lang="en-US" sz="1100" b="1" dirty="0" smtClean="0">
+              <a:rPr lang="en-US" sz="1400" dirty="0">
                 <a:latin typeface="Helvetica" charset="0"/>
                 <a:ea typeface="Helvetica" charset="0"/>
                 <a:cs typeface="Helvetica" charset="0"/>
               </a:rPr>
               <a:t> Desktop</a:t>
             </a:r>
-            <a:endParaRPr lang="en-US" sz="1100" b="1" dirty="0">
+            <a:endParaRPr lang="en-US" sz="1400" dirty="0">
               <a:latin typeface="Helvetica" charset="0"/>
               <a:ea typeface="Helvetica" charset="0"/>
               <a:cs typeface="Helvetica" charset="0"/>
@@ -4673,20 +4547,18 @@
         <p:nvCxnSpPr>
           <p:cNvPr id="129" name="Elbow Connector 128"/>
           <p:cNvCxnSpPr>
-            <a:stCxn id="88" idx="0"/>
+            <a:stCxn id="88" idx="3"/>
             <a:endCxn id="127" idx="0"/>
           </p:cNvCxnSpPr>
           <p:nvPr/>
         </p:nvCxnSpPr>
         <p:spPr>
-          <a:xfrm rot="16200000" flipH="1">
-            <a:off x="5168535" y="-13974"/>
-            <a:ext cx="451732" cy="7376182"/>
-          </a:xfrm>
-          <a:prstGeom prst="bentConnector3">
-            <a:avLst>
-              <a:gd name="adj1" fmla="val -45952"/>
-            </a:avLst>
+          <a:xfrm>
+            <a:off x="2027391" y="3437919"/>
+            <a:ext cx="4890447" cy="176560"/>
+          </a:xfrm>
+          <a:prstGeom prst="bentConnector2">
+            <a:avLst/>
           </a:prstGeom>
           <a:ln>
             <a:solidFill>
@@ -4714,13 +4586,16 @@
       <p:cxnSp>
         <p:nvCxnSpPr>
           <p:cNvPr id="133" name="Straight Arrow Connector 132"/>
-          <p:cNvCxnSpPr/>
+          <p:cNvCxnSpPr>
+            <a:stCxn id="127" idx="2"/>
+            <a:endCxn id="128" idx="0"/>
+          </p:cNvCxnSpPr>
           <p:nvPr/>
         </p:nvCxnSpPr>
         <p:spPr>
           <a:xfrm>
-            <a:off x="9085739" y="4251333"/>
-            <a:ext cx="6256" cy="528327"/>
+            <a:off x="6917838" y="4193361"/>
+            <a:ext cx="5014" cy="320986"/>
           </a:xfrm>
           <a:prstGeom prst="straightConnector1">
             <a:avLst/>
@@ -4756,8 +4631,8 @@
         </p:nvCxnSpPr>
         <p:spPr>
           <a:xfrm>
-            <a:off x="15966401" y="2962813"/>
-            <a:ext cx="12512" cy="528327"/>
+            <a:off x="11974801" y="3079360"/>
+            <a:ext cx="9384" cy="396245"/>
           </a:xfrm>
           <a:prstGeom prst="straightConnector1">
             <a:avLst/>
@@ -4788,13 +4663,16 @@
       <p:cxnSp>
         <p:nvCxnSpPr>
           <p:cNvPr id="137" name="Straight Arrow Connector 136"/>
-          <p:cNvCxnSpPr/>
+          <p:cNvCxnSpPr>
+            <a:stCxn id="128" idx="2"/>
+            <a:endCxn id="126" idx="0"/>
+          </p:cNvCxnSpPr>
           <p:nvPr/>
         </p:nvCxnSpPr>
         <p:spPr>
           <a:xfrm flipH="1">
-            <a:off x="9085739" y="5256386"/>
-            <a:ext cx="6257" cy="528326"/>
+            <a:off x="6922654" y="5093229"/>
+            <a:ext cx="198" cy="233396"/>
           </a:xfrm>
           <a:prstGeom prst="straightConnector1">
             <a:avLst/>
@@ -4830,8 +4708,8 @@
         </p:nvSpPr>
         <p:spPr>
           <a:xfrm>
-            <a:off x="4993863" y="5183617"/>
-            <a:ext cx="914400" cy="289441"/>
+            <a:off x="3649782" y="5352802"/>
+            <a:ext cx="921455" cy="340519"/>
           </a:xfrm>
           <a:prstGeom prst="roundRect">
             <a:avLst/>
@@ -4853,14 +4731,14 @@
           <a:p>
             <a:pPr algn="ctr"/>
             <a:r>
-              <a:rPr lang="en-US" sz="1100" b="1" smtClean="0">
+              <a:rPr lang="en-US" sz="1400">
                 <a:latin typeface="Helvetica" charset="0"/>
                 <a:ea typeface="Helvetica" charset="0"/>
                 <a:cs typeface="Helvetica" charset="0"/>
               </a:rPr>
               <a:t>R</a:t>
             </a:r>
-            <a:endParaRPr lang="en-US" sz="1100" b="1" dirty="0">
+            <a:endParaRPr lang="en-US" sz="1400" dirty="0">
               <a:latin typeface="Helvetica" charset="0"/>
               <a:ea typeface="Helvetica" charset="0"/>
               <a:cs typeface="Helvetica" charset="0"/>
@@ -4876,8 +4754,8 @@
         </p:nvSpPr>
         <p:spPr>
           <a:xfrm>
-            <a:off x="4993863" y="4509833"/>
-            <a:ext cx="914400" cy="289441"/>
+            <a:off x="3632791" y="4814384"/>
+            <a:ext cx="955439" cy="340519"/>
           </a:xfrm>
           <a:prstGeom prst="roundRect">
             <a:avLst/>
@@ -4899,14 +4777,14 @@
           <a:p>
             <a:pPr algn="ctr"/>
             <a:r>
-              <a:rPr lang="en-US" sz="1100" b="1" dirty="0" err="1" smtClean="0">
+              <a:rPr lang="en-US" sz="1400" dirty="0" err="1">
                 <a:latin typeface="Helvetica" charset="0"/>
                 <a:ea typeface="Helvetica" charset="0"/>
                 <a:cs typeface="Helvetica" charset="0"/>
               </a:rPr>
               <a:t>RStudio</a:t>
             </a:r>
-            <a:endParaRPr lang="en-US" sz="1100" b="1" dirty="0">
+            <a:endParaRPr lang="en-US" sz="1400" dirty="0">
               <a:latin typeface="Helvetica" charset="0"/>
               <a:ea typeface="Helvetica" charset="0"/>
               <a:cs typeface="Helvetica" charset="0"/>
@@ -4922,8 +4800,8 @@
         </p:nvSpPr>
         <p:spPr>
           <a:xfrm>
-            <a:off x="6792447" y="5183617"/>
-            <a:ext cx="914400" cy="289441"/>
+            <a:off x="5084964" y="4473865"/>
+            <a:ext cx="892156" cy="340519"/>
           </a:xfrm>
           <a:prstGeom prst="roundRect">
             <a:avLst/>
@@ -4945,14 +4823,14 @@
           <a:p>
             <a:pPr algn="ctr"/>
             <a:r>
-              <a:rPr lang="en-US" sz="1100" b="1" smtClean="0">
+              <a:rPr lang="en-US" sz="1400">
                 <a:latin typeface="Helvetica" charset="0"/>
                 <a:ea typeface="Helvetica" charset="0"/>
                 <a:cs typeface="Helvetica" charset="0"/>
               </a:rPr>
               <a:t>Latex</a:t>
             </a:r>
-            <a:endParaRPr lang="en-US" sz="1100" b="1" dirty="0">
+            <a:endParaRPr lang="en-US" sz="1400" dirty="0">
               <a:latin typeface="Helvetica" charset="0"/>
               <a:ea typeface="Helvetica" charset="0"/>
               <a:cs typeface="Helvetica" charset="0"/>
@@ -4968,8 +4846,8 @@
         </p:nvSpPr>
         <p:spPr>
           <a:xfrm>
-            <a:off x="3158825" y="4528568"/>
-            <a:ext cx="914400" cy="289441"/>
+            <a:off x="2260477" y="4264260"/>
+            <a:ext cx="894003" cy="340519"/>
           </a:xfrm>
           <a:prstGeom prst="roundRect">
             <a:avLst/>
@@ -4991,14 +4869,14 @@
           <a:p>
             <a:pPr algn="ctr"/>
             <a:r>
-              <a:rPr lang="en-US" sz="1100" b="1" dirty="0" err="1" smtClean="0">
+              <a:rPr lang="en-US" sz="1400" dirty="0" err="1">
                 <a:latin typeface="Helvetica" charset="0"/>
                 <a:ea typeface="Helvetica" charset="0"/>
                 <a:cs typeface="Helvetica" charset="0"/>
               </a:rPr>
               <a:t>Zotero</a:t>
             </a:r>
-            <a:endParaRPr lang="en-US" sz="1100" b="1" dirty="0">
+            <a:endParaRPr lang="en-US" sz="1400" dirty="0">
               <a:latin typeface="Helvetica" charset="0"/>
               <a:ea typeface="Helvetica" charset="0"/>
               <a:cs typeface="Helvetica" charset="0"/>
@@ -5014,8 +4892,8 @@
         </p:nvSpPr>
         <p:spPr>
           <a:xfrm>
-            <a:off x="3158825" y="5183617"/>
-            <a:ext cx="914400" cy="289441"/>
+            <a:off x="2262711" y="4828894"/>
+            <a:ext cx="894003" cy="340519"/>
           </a:xfrm>
           <a:prstGeom prst="roundRect">
             <a:avLst/>
@@ -5037,14 +4915,14 @@
           <a:p>
             <a:pPr algn="ctr"/>
             <a:r>
-              <a:rPr lang="en-US" sz="1100" b="1" dirty="0" smtClean="0">
+              <a:rPr lang="en-US" sz="1400" dirty="0">
                 <a:latin typeface="Helvetica" charset="0"/>
                 <a:ea typeface="Helvetica" charset="0"/>
                 <a:cs typeface="Helvetica" charset="0"/>
               </a:rPr>
               <a:t>Bib File</a:t>
             </a:r>
-            <a:endParaRPr lang="en-US" sz="1100" b="1" dirty="0">
+            <a:endParaRPr lang="en-US" sz="1400" dirty="0">
               <a:latin typeface="Helvetica" charset="0"/>
               <a:ea typeface="Helvetica" charset="0"/>
               <a:cs typeface="Helvetica" charset="0"/>
@@ -5060,8 +4938,8 @@
         </p:nvSpPr>
         <p:spPr>
           <a:xfrm>
-            <a:off x="10560091" y="4604160"/>
-            <a:ext cx="1010005" cy="289441"/>
+            <a:off x="7691232" y="4561782"/>
+            <a:ext cx="1221754" cy="340519"/>
           </a:xfrm>
           <a:prstGeom prst="roundRect">
             <a:avLst/>
@@ -5083,14 +4961,14 @@
           <a:p>
             <a:pPr algn="ctr"/>
             <a:r>
-              <a:rPr lang="en-US" sz="1100" b="1" smtClean="0">
+              <a:rPr lang="en-US" sz="1400">
                 <a:latin typeface="Helvetica" charset="0"/>
                 <a:ea typeface="Helvetica" charset="0"/>
                 <a:cs typeface="Helvetica" charset="0"/>
               </a:rPr>
               <a:t>ShareLatex</a:t>
             </a:r>
-            <a:endParaRPr lang="en-US" sz="1100" b="1" dirty="0">
+            <a:endParaRPr lang="en-US" sz="1400" dirty="0">
               <a:latin typeface="Helvetica" charset="0"/>
               <a:ea typeface="Helvetica" charset="0"/>
               <a:cs typeface="Helvetica" charset="0"/>
@@ -5109,8 +4987,8 @@
         </p:nvCxnSpPr>
         <p:spPr>
           <a:xfrm flipV="1">
-            <a:off x="9539692" y="4893601"/>
-            <a:ext cx="1525402" cy="1073991"/>
+            <a:off x="7452665" y="4902301"/>
+            <a:ext cx="849444" cy="713765"/>
           </a:xfrm>
           <a:prstGeom prst="bentConnector2">
             <a:avLst/>
@@ -5146,8 +5024,8 @@
         </p:nvSpPr>
         <p:spPr>
           <a:xfrm>
-            <a:off x="6792447" y="4473858"/>
-            <a:ext cx="914400" cy="289441"/>
+            <a:off x="5084963" y="4042692"/>
+            <a:ext cx="892156" cy="340519"/>
           </a:xfrm>
           <a:prstGeom prst="roundRect">
             <a:avLst/>
@@ -5169,14 +5047,14 @@
           <a:p>
             <a:pPr algn="ctr"/>
             <a:r>
-              <a:rPr lang="en-US" sz="1100" b="1" smtClean="0">
+              <a:rPr lang="en-US" sz="1400">
                 <a:latin typeface="Helvetica" charset="0"/>
                 <a:ea typeface="Helvetica" charset="0"/>
                 <a:cs typeface="Helvetica" charset="0"/>
               </a:rPr>
               <a:t>Sweave</a:t>
             </a:r>
-            <a:endParaRPr lang="en-US" sz="1100" b="1" dirty="0">
+            <a:endParaRPr lang="en-US" sz="1400" dirty="0">
               <a:latin typeface="Helvetica" charset="0"/>
               <a:ea typeface="Helvetica" charset="0"/>
               <a:cs typeface="Helvetica" charset="0"/>
@@ -5192,8 +5070,8 @@
         </p:nvSpPr>
         <p:spPr>
           <a:xfrm>
-            <a:off x="4672416" y="3342823"/>
-            <a:ext cx="914400" cy="365760"/>
+            <a:off x="3607464" y="3577597"/>
+            <a:ext cx="789465" cy="340519"/>
           </a:xfrm>
           <a:prstGeom prst="roundRect">
             <a:avLst/>
@@ -5215,14 +5093,14 @@
           <a:p>
             <a:pPr algn="ctr"/>
             <a:r>
-              <a:rPr lang="en-US" sz="1100" b="1" smtClean="0">
+              <a:rPr lang="en-US" sz="1400" dirty="0">
                 <a:latin typeface="Helvetica" charset="0"/>
                 <a:ea typeface="Helvetica" charset="0"/>
                 <a:cs typeface="Helvetica" charset="0"/>
               </a:rPr>
               <a:t>Tables</a:t>
             </a:r>
-            <a:endParaRPr lang="en-US" sz="1100" b="1" dirty="0">
+            <a:endParaRPr lang="en-US" sz="1400" dirty="0">
               <a:latin typeface="Helvetica" charset="0"/>
               <a:ea typeface="Helvetica" charset="0"/>
               <a:cs typeface="Helvetica" charset="0"/>
@@ -5238,8 +5116,8 @@
         </p:nvSpPr>
         <p:spPr>
           <a:xfrm>
-            <a:off x="5389948" y="3763353"/>
-            <a:ext cx="914400" cy="365760"/>
+            <a:off x="4006337" y="4038077"/>
+            <a:ext cx="789465" cy="340519"/>
           </a:xfrm>
           <a:prstGeom prst="roundRect">
             <a:avLst/>
@@ -5261,14 +5139,14 @@
           <a:p>
             <a:pPr algn="ctr"/>
             <a:r>
-              <a:rPr lang="en-US" sz="1100" b="1" dirty="0" smtClean="0">
+              <a:rPr lang="en-US" sz="1400" dirty="0">
                 <a:latin typeface="Helvetica" charset="0"/>
                 <a:ea typeface="Helvetica" charset="0"/>
                 <a:cs typeface="Helvetica" charset="0"/>
               </a:rPr>
               <a:t>Plots</a:t>
             </a:r>
-            <a:endParaRPr lang="en-US" sz="1100" b="1" dirty="0">
+            <a:endParaRPr lang="en-US" sz="1400" dirty="0">
               <a:latin typeface="Helvetica" charset="0"/>
               <a:ea typeface="Helvetica" charset="0"/>
               <a:cs typeface="Helvetica" charset="0"/>
@@ -5280,14 +5158,15 @@
         <p:nvCxnSpPr>
           <p:cNvPr id="157" name="Straight Arrow Connector 156"/>
           <p:cNvCxnSpPr>
+            <a:stCxn id="144" idx="2"/>
             <a:endCxn id="145" idx="0"/>
           </p:cNvCxnSpPr>
           <p:nvPr/>
         </p:nvCxnSpPr>
         <p:spPr>
           <a:xfrm>
-            <a:off x="3616025" y="4817491"/>
-            <a:ext cx="0" cy="366126"/>
+            <a:off x="2707479" y="4604779"/>
+            <a:ext cx="2234" cy="224115"/>
           </a:xfrm>
           <a:prstGeom prst="straightConnector1">
             <a:avLst/>
@@ -5325,9 +5204,9 @@
           <p:nvPr/>
         </p:nvCxnSpPr>
         <p:spPr>
-          <a:xfrm>
-            <a:off x="5451063" y="4799274"/>
-            <a:ext cx="0" cy="384343"/>
+          <a:xfrm flipH="1">
+            <a:off x="4110510" y="5154903"/>
+            <a:ext cx="1" cy="197899"/>
           </a:xfrm>
           <a:prstGeom prst="straightConnector1">
             <a:avLst/>
@@ -5366,12 +5245,12 @@
         </p:nvCxnSpPr>
         <p:spPr>
           <a:xfrm rot="16200000" flipV="1">
-            <a:off x="4889715" y="3948484"/>
-            <a:ext cx="801250" cy="321447"/>
+            <a:off x="3608220" y="4312093"/>
+            <a:ext cx="896268" cy="108314"/>
           </a:xfrm>
           <a:prstGeom prst="bentConnector3">
             <a:avLst>
-              <a:gd name="adj1" fmla="val 35571"/>
+              <a:gd name="adj1" fmla="val 50000"/>
             </a:avLst>
           </a:prstGeom>
           <a:ln>
@@ -5408,8 +5287,8 @@
         </p:nvCxnSpPr>
         <p:spPr>
           <a:xfrm rot="5400000" flipH="1" flipV="1">
-            <a:off x="5458745" y="4121431"/>
-            <a:ext cx="380720" cy="396085"/>
+            <a:off x="4037896" y="4451211"/>
+            <a:ext cx="435788" cy="290559"/>
           </a:xfrm>
           <a:prstGeom prst="bentConnector3">
             <a:avLst>
@@ -5450,13 +5329,13 @@
         </p:nvCxnSpPr>
         <p:spPr>
           <a:xfrm rot="10800000" flipH="1" flipV="1">
-            <a:off x="4672415" y="3525702"/>
-            <a:ext cx="2577231" cy="1947355"/>
+            <a:off x="3607464" y="3747856"/>
+            <a:ext cx="1923578" cy="1066527"/>
           </a:xfrm>
           <a:prstGeom prst="bentConnector4">
             <a:avLst>
-              <a:gd name="adj1" fmla="val -3161"/>
-              <a:gd name="adj2" fmla="val 111739"/>
+              <a:gd name="adj1" fmla="val -7130"/>
+              <a:gd name="adj2" fmla="val 216696"/>
             </a:avLst>
           </a:prstGeom>
           <a:ln>
@@ -5493,8 +5372,8 @@
         </p:nvCxnSpPr>
         <p:spPr>
           <a:xfrm>
-            <a:off x="6304348" y="3946233"/>
-            <a:ext cx="488099" cy="672346"/>
+            <a:off x="4795802" y="4208337"/>
+            <a:ext cx="289161" cy="4615"/>
           </a:xfrm>
           <a:prstGeom prst="bentConnector3">
             <a:avLst>
@@ -5527,18 +5406,18 @@
       <p:cxnSp>
         <p:nvCxnSpPr>
           <p:cNvPr id="186" name="Straight Arrow Connector 185"/>
-          <p:cNvCxnSpPr>
-            <a:stCxn id="152" idx="3"/>
-          </p:cNvCxnSpPr>
+          <p:cNvCxnSpPr/>
           <p:nvPr/>
         </p:nvCxnSpPr>
         <p:spPr>
-          <a:xfrm>
-            <a:off x="6304348" y="3946233"/>
-            <a:ext cx="2320944" cy="0"/>
-          </a:xfrm>
-          <a:prstGeom prst="straightConnector1">
-            <a:avLst/>
+          <a:xfrm flipV="1">
+            <a:off x="4787521" y="3750978"/>
+            <a:ext cx="1600304" cy="345352"/>
+          </a:xfrm>
+          <a:prstGeom prst="bentConnector3">
+            <a:avLst>
+              <a:gd name="adj1" fmla="val 10003"/>
+            </a:avLst>
           </a:prstGeom>
           <a:ln w="12700">
             <a:solidFill>
@@ -5574,13 +5453,13 @@
         </p:nvCxnSpPr>
         <p:spPr>
           <a:xfrm rot="5400000" flipH="1" flipV="1">
-            <a:off x="5234196" y="3000408"/>
-            <a:ext cx="854479" cy="4090822"/>
+            <a:off x="3865185" y="3057480"/>
+            <a:ext cx="956461" cy="3267406"/>
           </a:xfrm>
           <a:prstGeom prst="bentConnector4">
             <a:avLst>
-              <a:gd name="adj1" fmla="val -43974"/>
-              <a:gd name="adj2" fmla="val 105588"/>
+              <a:gd name="adj1" fmla="val -120566"/>
+              <a:gd name="adj2" fmla="val 106996"/>
             </a:avLst>
           </a:prstGeom>
           <a:ln>
@@ -5616,9 +5495,9 @@
           <p:nvPr/>
         </p:nvCxnSpPr>
         <p:spPr>
-          <a:xfrm flipV="1">
-            <a:off x="7249647" y="4763299"/>
-            <a:ext cx="0" cy="420318"/>
+          <a:xfrm flipH="1" flipV="1">
+            <a:off x="5531041" y="4383211"/>
+            <a:ext cx="1" cy="90654"/>
           </a:xfrm>
           <a:prstGeom prst="straightConnector1">
             <a:avLst/>
@@ -5656,13 +5535,13 @@
         </p:nvCxnSpPr>
         <p:spPr>
           <a:xfrm rot="5400000" flipH="1" flipV="1">
-            <a:off x="5495899" y="2347710"/>
-            <a:ext cx="1245474" cy="5005222"/>
+            <a:off x="3978033" y="2759621"/>
+            <a:ext cx="1141472" cy="3678112"/>
           </a:xfrm>
           <a:prstGeom prst="bentConnector4">
             <a:avLst>
-              <a:gd name="adj1" fmla="val -48734"/>
-              <a:gd name="adj2" fmla="val 94675"/>
+              <a:gd name="adj1" fmla="val -101914"/>
+              <a:gd name="adj2" fmla="val 95024"/>
             </a:avLst>
           </a:prstGeom>
           <a:ln>
@@ -5699,8 +5578,8 @@
         </p:nvCxnSpPr>
         <p:spPr>
           <a:xfrm rot="5400000" flipH="1" flipV="1">
-            <a:off x="7741972" y="3590539"/>
-            <a:ext cx="390995" cy="1375645"/>
+            <a:off x="5890047" y="3544914"/>
+            <a:ext cx="138772" cy="856785"/>
           </a:xfrm>
           <a:prstGeom prst="bentConnector2">
             <a:avLst/>
@@ -5736,8 +5615,8 @@
         </p:nvSpPr>
         <p:spPr>
           <a:xfrm>
-            <a:off x="1068965" y="146829"/>
-            <a:ext cx="3374662" cy="769441"/>
+            <a:off x="642171" y="73584"/>
+            <a:ext cx="3378551" cy="707886"/>
           </a:xfrm>
           <a:prstGeom prst="rect">
             <a:avLst/>
@@ -5751,7 +5630,7 @@
           <a:lstStyle/>
           <a:p>
             <a:r>
-              <a:rPr lang="en-US" sz="2200" b="1" dirty="0" smtClean="0">
+              <a:rPr lang="en-US" sz="2000" dirty="0">
                 <a:latin typeface="Helvetica"/>
                 <a:cs typeface="Helvetica"/>
               </a:rPr>
@@ -5760,13 +5639,13 @@
           </a:p>
           <a:p>
             <a:r>
-              <a:rPr lang="en-US" sz="2200" b="1" dirty="0" smtClean="0">
+              <a:rPr lang="en-US" sz="2000" dirty="0">
                 <a:latin typeface="Helvetica"/>
                 <a:cs typeface="Helvetica"/>
               </a:rPr>
               <a:t>Data Input, Processing</a:t>
             </a:r>
-            <a:endParaRPr lang="en-US" sz="2200" b="1" dirty="0">
+            <a:endParaRPr lang="en-US" sz="2000" dirty="0">
               <a:latin typeface="Helvetica"/>
               <a:cs typeface="Helvetica"/>
             </a:endParaRPr>
@@ -5781,8 +5660,8 @@
         </p:nvSpPr>
         <p:spPr>
           <a:xfrm>
-            <a:off x="4790244" y="135133"/>
-            <a:ext cx="2624533" cy="769441"/>
+            <a:off x="3595458" y="74925"/>
+            <a:ext cx="2979010" cy="707886"/>
           </a:xfrm>
           <a:prstGeom prst="rect">
             <a:avLst/>
@@ -5796,7 +5675,7 @@
           <a:lstStyle/>
           <a:p>
             <a:r>
-              <a:rPr lang="en-US" sz="2200" b="1" dirty="0" smtClean="0">
+              <a:rPr lang="en-US" sz="2000" dirty="0">
                 <a:latin typeface="Helvetica"/>
                 <a:cs typeface="Helvetica"/>
               </a:rPr>
@@ -5805,19 +5684,163 @@
           </a:p>
           <a:p>
             <a:r>
-              <a:rPr lang="en-US" sz="2200" b="1" dirty="0" smtClean="0">
+              <a:rPr lang="en-US" sz="2000" dirty="0">
                 <a:latin typeface="Helvetica"/>
                 <a:cs typeface="Helvetica"/>
               </a:rPr>
               <a:t>Data Analysis</a:t>
             </a:r>
-            <a:endParaRPr lang="en-US" sz="2200" b="1" dirty="0">
+            <a:endParaRPr lang="en-US" sz="2000" dirty="0">
               <a:latin typeface="Helvetica"/>
               <a:cs typeface="Helvetica"/>
             </a:endParaRPr>
           </a:p>
         </p:txBody>
       </p:sp>
+      <p:cxnSp>
+        <p:nvCxnSpPr>
+          <p:cNvPr id="285" name="Straight Connector 284"/>
+          <p:cNvCxnSpPr/>
+          <p:nvPr/>
+        </p:nvCxnSpPr>
+        <p:spPr>
+          <a:xfrm>
+            <a:off x="6220708" y="2432750"/>
+            <a:ext cx="0" cy="4141660"/>
+          </a:xfrm>
+          <a:prstGeom prst="line">
+            <a:avLst/>
+          </a:prstGeom>
+          <a:ln>
+            <a:solidFill>
+              <a:schemeClr val="tx1"/>
+            </a:solidFill>
+            <a:prstDash val="dash"/>
+          </a:ln>
+        </p:spPr>
+        <p:style>
+          <a:lnRef idx="1">
+            <a:schemeClr val="accent1"/>
+          </a:lnRef>
+          <a:fillRef idx="0">
+            <a:schemeClr val="accent1"/>
+          </a:fillRef>
+          <a:effectRef idx="0">
+            <a:schemeClr val="accent1"/>
+          </a:effectRef>
+          <a:fontRef idx="minor">
+            <a:schemeClr val="tx1"/>
+          </a:fontRef>
+        </p:style>
+      </p:cxnSp>
+      <p:cxnSp>
+        <p:nvCxnSpPr>
+          <p:cNvPr id="286" name="Straight Connector 285"/>
+          <p:cNvCxnSpPr/>
+          <p:nvPr/>
+        </p:nvCxnSpPr>
+        <p:spPr>
+          <a:xfrm>
+            <a:off x="4850596" y="2455268"/>
+            <a:ext cx="0" cy="4141660"/>
+          </a:xfrm>
+          <a:prstGeom prst="line">
+            <a:avLst/>
+          </a:prstGeom>
+          <a:ln>
+            <a:solidFill>
+              <a:schemeClr val="tx1"/>
+            </a:solidFill>
+            <a:prstDash val="dash"/>
+          </a:ln>
+        </p:spPr>
+        <p:style>
+          <a:lnRef idx="1">
+            <a:schemeClr val="accent1"/>
+          </a:lnRef>
+          <a:fillRef idx="0">
+            <a:schemeClr val="accent1"/>
+          </a:fillRef>
+          <a:effectRef idx="0">
+            <a:schemeClr val="accent1"/>
+          </a:effectRef>
+          <a:fontRef idx="minor">
+            <a:schemeClr val="tx1"/>
+          </a:fontRef>
+        </p:style>
+      </p:cxnSp>
+      <p:cxnSp>
+        <p:nvCxnSpPr>
+          <p:cNvPr id="287" name="Straight Connector 286"/>
+          <p:cNvCxnSpPr/>
+          <p:nvPr/>
+        </p:nvCxnSpPr>
+        <p:spPr>
+          <a:xfrm>
+            <a:off x="3368221" y="2469780"/>
+            <a:ext cx="0" cy="4141660"/>
+          </a:xfrm>
+          <a:prstGeom prst="line">
+            <a:avLst/>
+          </a:prstGeom>
+          <a:ln>
+            <a:solidFill>
+              <a:schemeClr val="tx1"/>
+            </a:solidFill>
+            <a:prstDash val="dash"/>
+          </a:ln>
+        </p:spPr>
+        <p:style>
+          <a:lnRef idx="1">
+            <a:schemeClr val="accent1"/>
+          </a:lnRef>
+          <a:fillRef idx="0">
+            <a:schemeClr val="accent1"/>
+          </a:fillRef>
+          <a:effectRef idx="0">
+            <a:schemeClr val="accent1"/>
+          </a:effectRef>
+          <a:fontRef idx="minor">
+            <a:schemeClr val="tx1"/>
+          </a:fontRef>
+        </p:style>
+      </p:cxnSp>
+      <p:cxnSp>
+        <p:nvCxnSpPr>
+          <p:cNvPr id="288" name="Straight Connector 287"/>
+          <p:cNvCxnSpPr/>
+          <p:nvPr/>
+        </p:nvCxnSpPr>
+        <p:spPr>
+          <a:xfrm>
+            <a:off x="2080155" y="2469780"/>
+            <a:ext cx="0" cy="4141660"/>
+          </a:xfrm>
+          <a:prstGeom prst="line">
+            <a:avLst/>
+          </a:prstGeom>
+          <a:ln>
+            <a:solidFill>
+              <a:schemeClr val="tx1"/>
+            </a:solidFill>
+            <a:prstDash val="dash"/>
+          </a:ln>
+        </p:spPr>
+        <p:style>
+          <a:lnRef idx="1">
+            <a:schemeClr val="accent1"/>
+          </a:lnRef>
+          <a:fillRef idx="0">
+            <a:schemeClr val="accent1"/>
+          </a:fillRef>
+          <a:effectRef idx="0">
+            <a:schemeClr val="accent1"/>
+          </a:effectRef>
+          <a:fontRef idx="minor">
+            <a:schemeClr val="tx1"/>
+          </a:fontRef>
+        </p:style>
+      </p:cxnSp>
     </p:spTree>
     <p:extLst>
       <p:ext uri="{BB962C8B-B14F-4D97-AF65-F5344CB8AC3E}">
@@ -5834,7 +5857,7 @@
 <file path=ppt/theme/theme1.xml><?xml version="1.0" encoding="utf-8"?>
 <a:theme xmlns:a="http://schemas.openxmlformats.org/drawingml/2006/main" name="Office Theme">
   <a:themeElements>
-    <a:clrScheme name="Office">
+    <a:clrScheme name="Office Theme">
       <a:dk1>
         <a:sysClr val="windowText" lastClr="000000"/>
       </a:dk1>
@@ -5872,14 +5895,14 @@
         <a:srgbClr val="954F72"/>
       </a:folHlink>
     </a:clrScheme>
-    <a:fontScheme name="Office">
+    <a:fontScheme name="Office Theme">
       <a:majorFont>
-        <a:latin typeface="Calibri Light"/>
+        <a:latin typeface="Calibri Light" panose="020F0302020204030204"/>
         <a:ea typeface=""/>
         <a:cs typeface=""/>
-        <a:font script="Jpan" typeface="Yu Gothic Light"/>
+        <a:font script="Jpan" typeface="ＭＳ Ｐゴシック"/>
         <a:font script="Hang" typeface="맑은 고딕"/>
-        <a:font script="Hans" typeface="DengXian Light"/>
+        <a:font script="Hans" typeface="宋体"/>
         <a:font script="Hant" typeface="新細明體"/>
         <a:font script="Arab" typeface="Times New Roman"/>
         <a:font script="Hebr" typeface="Times New Roman"/>
@@ -5909,12 +5932,12 @@
         <a:font script="Geor" typeface="Sylfaen"/>
       </a:majorFont>
       <a:minorFont>
-        <a:latin typeface="Calibri"/>
+        <a:latin typeface="Calibri" panose="020F0502020204030204"/>
         <a:ea typeface=""/>
         <a:cs typeface=""/>
-        <a:font script="Jpan" typeface="Yu Gothic"/>
+        <a:font script="Jpan" typeface="ＭＳ Ｐゴシック"/>
         <a:font script="Hang" typeface="맑은 고딕"/>
-        <a:font script="Hans" typeface="DengXian"/>
+        <a:font script="Hans" typeface="宋体"/>
         <a:font script="Hant" typeface="新細明體"/>
         <a:font script="Arab" typeface="Arial"/>
         <a:font script="Hebr" typeface="Arial"/>
@@ -5944,7 +5967,7 @@
         <a:font script="Geor" typeface="Sylfaen"/>
       </a:minorFont>
     </a:fontScheme>
-    <a:fmtScheme name="Office">
+    <a:fmtScheme name="Office Theme">
       <a:fillStyleLst>
         <a:solidFill>
           <a:schemeClr val="phClr"/>

--- a/case-studies/jmMagallanes.pptx
+++ b/case-studies/jmMagallanes.pptx
@@ -254,7 +254,7 @@
           <a:p>
             <a:fld id="{44608ED9-4F79-D548-8E8D-C5D319F6A783}" type="datetimeFigureOut">
               <a:rPr lang="en-US" smtClean="0"/>
-              <a:t>10/5/16</a:t>
+              <a:t>10/6/16</a:t>
             </a:fld>
             <a:endParaRPr lang="en-US"/>
           </a:p>
@@ -424,7 +424,7 @@
           <a:p>
             <a:fld id="{44608ED9-4F79-D548-8E8D-C5D319F6A783}" type="datetimeFigureOut">
               <a:rPr lang="en-US" smtClean="0"/>
-              <a:t>10/5/16</a:t>
+              <a:t>10/6/16</a:t>
             </a:fld>
             <a:endParaRPr lang="en-US"/>
           </a:p>
@@ -604,7 +604,7 @@
           <a:p>
             <a:fld id="{44608ED9-4F79-D548-8E8D-C5D319F6A783}" type="datetimeFigureOut">
               <a:rPr lang="en-US" smtClean="0"/>
-              <a:t>10/5/16</a:t>
+              <a:t>10/6/16</a:t>
             </a:fld>
             <a:endParaRPr lang="en-US"/>
           </a:p>
@@ -774,7 +774,7 @@
           <a:p>
             <a:fld id="{44608ED9-4F79-D548-8E8D-C5D319F6A783}" type="datetimeFigureOut">
               <a:rPr lang="en-US" smtClean="0"/>
-              <a:t>10/5/16</a:t>
+              <a:t>10/6/16</a:t>
             </a:fld>
             <a:endParaRPr lang="en-US"/>
           </a:p>
@@ -1018,7 +1018,7 @@
           <a:p>
             <a:fld id="{44608ED9-4F79-D548-8E8D-C5D319F6A783}" type="datetimeFigureOut">
               <a:rPr lang="en-US" smtClean="0"/>
-              <a:t>10/5/16</a:t>
+              <a:t>10/6/16</a:t>
             </a:fld>
             <a:endParaRPr lang="en-US"/>
           </a:p>
@@ -1250,7 +1250,7 @@
           <a:p>
             <a:fld id="{44608ED9-4F79-D548-8E8D-C5D319F6A783}" type="datetimeFigureOut">
               <a:rPr lang="en-US" smtClean="0"/>
-              <a:t>10/5/16</a:t>
+              <a:t>10/6/16</a:t>
             </a:fld>
             <a:endParaRPr lang="en-US"/>
           </a:p>
@@ -1617,7 +1617,7 @@
           <a:p>
             <a:fld id="{44608ED9-4F79-D548-8E8D-C5D319F6A783}" type="datetimeFigureOut">
               <a:rPr lang="en-US" smtClean="0"/>
-              <a:t>10/5/16</a:t>
+              <a:t>10/6/16</a:t>
             </a:fld>
             <a:endParaRPr lang="en-US"/>
           </a:p>
@@ -1735,7 +1735,7 @@
           <a:p>
             <a:fld id="{44608ED9-4F79-D548-8E8D-C5D319F6A783}" type="datetimeFigureOut">
               <a:rPr lang="en-US" smtClean="0"/>
-              <a:t>10/5/16</a:t>
+              <a:t>10/6/16</a:t>
             </a:fld>
             <a:endParaRPr lang="en-US"/>
           </a:p>
@@ -1830,7 +1830,7 @@
           <a:p>
             <a:fld id="{44608ED9-4F79-D548-8E8D-C5D319F6A783}" type="datetimeFigureOut">
               <a:rPr lang="en-US" smtClean="0"/>
-              <a:t>10/5/16</a:t>
+              <a:t>10/6/16</a:t>
             </a:fld>
             <a:endParaRPr lang="en-US"/>
           </a:p>
@@ -2107,7 +2107,7 @@
           <a:p>
             <a:fld id="{44608ED9-4F79-D548-8E8D-C5D319F6A783}" type="datetimeFigureOut">
               <a:rPr lang="en-US" smtClean="0"/>
-              <a:t>10/5/16</a:t>
+              <a:t>10/6/16</a:t>
             </a:fld>
             <a:endParaRPr lang="en-US"/>
           </a:p>
@@ -2364,7 +2364,7 @@
           <a:p>
             <a:fld id="{44608ED9-4F79-D548-8E8D-C5D319F6A783}" type="datetimeFigureOut">
               <a:rPr lang="en-US" smtClean="0"/>
-              <a:t>10/5/16</a:t>
+              <a:t>10/6/16</a:t>
             </a:fld>
             <a:endParaRPr lang="en-US"/>
           </a:p>
@@ -2577,7 +2577,7 @@
           <a:p>
             <a:fld id="{44608ED9-4F79-D548-8E8D-C5D319F6A783}" type="datetimeFigureOut">
               <a:rPr lang="en-US" smtClean="0"/>
-              <a:t>10/5/16</a:t>
+              <a:t>10/6/16</a:t>
             </a:fld>
             <a:endParaRPr lang="en-US"/>
           </a:p>
@@ -3105,11 +3105,6 @@
               </a:rPr>
               <a:t>MANUAL STAGES</a:t>
             </a:r>
-            <a:endParaRPr lang="en-US" sz="1600" dirty="0">
-              <a:latin typeface="Helvetica" charset="0"/>
-              <a:ea typeface="Helvetica" charset="0"/>
-              <a:cs typeface="Helvetica" charset="0"/>
-            </a:endParaRPr>
           </a:p>
         </p:txBody>
       </p:sp>
@@ -3201,11 +3196,6 @@
               </a:rPr>
               <a:t>Define the Research Problem</a:t>
             </a:r>
-            <a:endParaRPr lang="en-US" sz="1600" dirty="0">
-              <a:latin typeface="Helvetica" charset="0"/>
-              <a:ea typeface="Helvetica" charset="0"/>
-              <a:cs typeface="Helvetica" charset="0"/>
-            </a:endParaRPr>
           </a:p>
         </p:txBody>
       </p:sp>
@@ -3245,11 +3235,6 @@
               </a:rPr>
               <a:t>Design the Research Plan</a:t>
             </a:r>
-            <a:endParaRPr lang="en-US" sz="1600" dirty="0">
-              <a:latin typeface="Helvetica" charset="0"/>
-              <a:ea typeface="Helvetica" charset="0"/>
-              <a:cs typeface="Helvetica" charset="0"/>
-            </a:endParaRPr>
           </a:p>
         </p:txBody>
       </p:sp>
@@ -3289,11 +3274,6 @@
               </a:rPr>
               <a:t>Review the Literature</a:t>
             </a:r>
-            <a:endParaRPr lang="en-US" sz="1600" dirty="0">
-              <a:latin typeface="Helvetica" charset="0"/>
-              <a:ea typeface="Helvetica" charset="0"/>
-              <a:cs typeface="Helvetica" charset="0"/>
-            </a:endParaRPr>
           </a:p>
         </p:txBody>
       </p:sp>
@@ -3333,11 +3313,6 @@
               </a:rPr>
               <a:t>Write the paper</a:t>
             </a:r>
-            <a:endParaRPr lang="en-US" sz="1600" dirty="0">
-              <a:latin typeface="Helvetica" charset="0"/>
-              <a:ea typeface="Helvetica" charset="0"/>
-              <a:cs typeface="Helvetica" charset="0"/>
-            </a:endParaRPr>
           </a:p>
         </p:txBody>
       </p:sp>
@@ -3600,11 +3575,6 @@
               </a:rPr>
               <a:t>Organize References</a:t>
             </a:r>
-            <a:endParaRPr lang="en-US" sz="1400" dirty="0">
-              <a:latin typeface="Helvetica" charset="0"/>
-              <a:ea typeface="Helvetica" charset="0"/>
-              <a:cs typeface="Helvetica" charset="0"/>
-            </a:endParaRPr>
           </a:p>
         </p:txBody>
       </p:sp>
@@ -3645,20 +3615,23 @@
               <a:t>Update </a:t>
             </a:r>
             <a:r>
-              <a:rPr lang="en-US" sz="1400" dirty="0" err="1" smtClean="0">
-                <a:latin typeface="Helvetica" charset="0"/>
-                <a:ea typeface="Helvetica" charset="0"/>
-                <a:cs typeface="Helvetica" charset="0"/>
-              </a:rPr>
-              <a:t>Computationand</a:t>
-            </a:r>
-            <a:r>
               <a:rPr lang="en-US" sz="1400" dirty="0" smtClean="0">
                 <a:latin typeface="Helvetica" charset="0"/>
                 <a:ea typeface="Helvetica" charset="0"/>
                 <a:cs typeface="Helvetica" charset="0"/>
               </a:rPr>
-              <a:t> </a:t>
+              <a:t>Computations</a:t>
+            </a:r>
+          </a:p>
+          <a:p>
+            <a:pPr algn="ctr"/>
+            <a:r>
+              <a:rPr lang="en-US" sz="1400" dirty="0" smtClean="0">
+                <a:latin typeface="Helvetica" charset="0"/>
+                <a:ea typeface="Helvetica" charset="0"/>
+                <a:cs typeface="Helvetica" charset="0"/>
+              </a:rPr>
+              <a:t>and </a:t>
             </a:r>
             <a:r>
               <a:rPr lang="en-US" sz="1400" dirty="0">
@@ -3668,11 +3641,6 @@
               </a:rPr>
               <a:t>plots</a:t>
             </a:r>
-            <a:endParaRPr lang="en-US" sz="1400" dirty="0">
-              <a:latin typeface="Helvetica" charset="0"/>
-              <a:ea typeface="Helvetica" charset="0"/>
-              <a:cs typeface="Helvetica" charset="0"/>
-            </a:endParaRPr>
           </a:p>
         </p:txBody>
       </p:sp>
@@ -3764,11 +3732,6 @@
               </a:rPr>
               <a:t>Organize archive</a:t>
             </a:r>
-            <a:endParaRPr lang="en-US" sz="1400" dirty="0">
-              <a:latin typeface="Helvetica" charset="0"/>
-              <a:ea typeface="Helvetica" charset="0"/>
-              <a:cs typeface="Helvetica" charset="0"/>
-            </a:endParaRPr>
           </a:p>
         </p:txBody>
       </p:sp>
@@ -4125,11 +4088,6 @@
               </a:rPr>
               <a:t>Web Data</a:t>
             </a:r>
-            <a:endParaRPr lang="en-US" sz="1400" dirty="0">
-              <a:latin typeface="Helvetica" charset="0"/>
-              <a:ea typeface="Helvetica" charset="0"/>
-              <a:cs typeface="Helvetica" charset="0"/>
-            </a:endParaRPr>
           </a:p>
         </p:txBody>
       </p:sp>
@@ -4171,11 +4129,6 @@
               </a:rPr>
               <a:t>Python Program</a:t>
             </a:r>
-            <a:endParaRPr lang="en-US" sz="1400" dirty="0">
-              <a:latin typeface="Helvetica" charset="0"/>
-              <a:ea typeface="Helvetica" charset="0"/>
-              <a:cs typeface="Helvetica" charset="0"/>
-            </a:endParaRPr>
           </a:p>
         </p:txBody>
       </p:sp>
@@ -4297,11 +4250,6 @@
               </a:rPr>
               <a:t>Integrated Data Set</a:t>
             </a:r>
-            <a:endParaRPr lang="en-US" sz="1400" dirty="0">
-              <a:latin typeface="Helvetica" charset="0"/>
-              <a:ea typeface="Helvetica" charset="0"/>
-              <a:cs typeface="Helvetica" charset="0"/>
-            </a:endParaRPr>
           </a:p>
         </p:txBody>
       </p:sp>
@@ -4435,11 +4383,6 @@
               </a:rPr>
               <a:t> Repo</a:t>
             </a:r>
-            <a:endParaRPr lang="en-US" sz="1400" dirty="0">
-              <a:latin typeface="Helvetica" charset="0"/>
-              <a:ea typeface="Helvetica" charset="0"/>
-              <a:cs typeface="Helvetica" charset="0"/>
-            </a:endParaRPr>
           </a:p>
         </p:txBody>
       </p:sp>
@@ -4481,11 +4424,6 @@
               </a:rPr>
               <a:t>Local Folder</a:t>
             </a:r>
-            <a:endParaRPr lang="en-US" sz="1400" dirty="0">
-              <a:latin typeface="Helvetica" charset="0"/>
-              <a:ea typeface="Helvetica" charset="0"/>
-              <a:cs typeface="Helvetica" charset="0"/>
-            </a:endParaRPr>
           </a:p>
         </p:txBody>
       </p:sp>
@@ -4535,11 +4473,6 @@
               </a:rPr>
               <a:t> Desktop</a:t>
             </a:r>
-            <a:endParaRPr lang="en-US" sz="1400" dirty="0">
-              <a:latin typeface="Helvetica" charset="0"/>
-              <a:ea typeface="Helvetica" charset="0"/>
-              <a:cs typeface="Helvetica" charset="0"/>
-            </a:endParaRPr>
           </a:p>
         </p:txBody>
       </p:sp>
@@ -4922,11 +4855,6 @@
               </a:rPr>
               <a:t>Bib File</a:t>
             </a:r>
-            <a:endParaRPr lang="en-US" sz="1400" dirty="0">
-              <a:latin typeface="Helvetica" charset="0"/>
-              <a:ea typeface="Helvetica" charset="0"/>
-              <a:cs typeface="Helvetica" charset="0"/>
-            </a:endParaRPr>
           </a:p>
         </p:txBody>
       </p:sp>
@@ -5100,11 +5028,6 @@
               </a:rPr>
               <a:t>Tables</a:t>
             </a:r>
-            <a:endParaRPr lang="en-US" sz="1400" dirty="0">
-              <a:latin typeface="Helvetica" charset="0"/>
-              <a:ea typeface="Helvetica" charset="0"/>
-              <a:cs typeface="Helvetica" charset="0"/>
-            </a:endParaRPr>
           </a:p>
         </p:txBody>
       </p:sp>
@@ -5146,11 +5069,6 @@
               </a:rPr>
               <a:t>Plots</a:t>
             </a:r>
-            <a:endParaRPr lang="en-US" sz="1400" dirty="0">
-              <a:latin typeface="Helvetica" charset="0"/>
-              <a:ea typeface="Helvetica" charset="0"/>
-              <a:cs typeface="Helvetica" charset="0"/>
-            </a:endParaRPr>
           </a:p>
         </p:txBody>
       </p:sp>
@@ -5645,10 +5563,6 @@
               </a:rPr>
               <a:t>Data Input, Processing</a:t>
             </a:r>
-            <a:endParaRPr lang="en-US" sz="2000" dirty="0">
-              <a:latin typeface="Helvetica"/>
-              <a:cs typeface="Helvetica"/>
-            </a:endParaRPr>
           </a:p>
         </p:txBody>
       </p:sp>
@@ -5690,10 +5604,6 @@
               </a:rPr>
               <a:t>Data Analysis</a:t>
             </a:r>
-            <a:endParaRPr lang="en-US" sz="2000" dirty="0">
-              <a:latin typeface="Helvetica"/>
-              <a:cs typeface="Helvetica"/>
-            </a:endParaRPr>
           </a:p>
         </p:txBody>
       </p:sp>
